--- a/FDS/DK Brainstorm.pptx
+++ b/FDS/DK Brainstorm.pptx
@@ -6,10 +6,8 @@
   </p:sldMasterIdLst>
   <p:sldIdLst>
     <p:sldId id="257" r:id="rId2"/>
-    <p:sldId id="262" r:id="rId3"/>
+    <p:sldId id="263" r:id="rId3"/>
     <p:sldId id="264" r:id="rId4"/>
-    <p:sldId id="265" r:id="rId5"/>
-    <p:sldId id="263" r:id="rId6"/>
   </p:sldIdLst>
   <p:sldSz cx="30267275" cy="42794238"/>
   <p:notesSz cx="6858000" cy="9144000"/>
@@ -108,7 +106,412 @@
       </a:defRPr>
     </a:lvl9pPr>
   </p:defaultTextStyle>
+  <p:extLst>
+    <p:ext uri="{EFAFB233-063F-42B5-8137-9DF3F51BA10A}">
+      <p15:sldGuideLst xmlns:p15="http://schemas.microsoft.com/office/powerpoint/2012/main"/>
+    </p:ext>
+  </p:extLst>
 </p:presentation>
+</file>
+
+<file path=ppt/revisionInfo.xml><?xml version="1.0" encoding="utf-8"?>
+<p1510:revInfo xmlns:a="http://schemas.openxmlformats.org/drawingml/2006/main" xmlns:r="http://schemas.openxmlformats.org/officeDocument/2006/relationships" xmlns:p1510="http://schemas.microsoft.com/office/powerpoint/2015/10/main">
+  <p1510:revLst>
+    <p1510:client id="{DE2277C1-AE8E-4A6B-A3FD-1A4A48F87F34}" v="28" dt="2024-02-20T17:51:02.964"/>
+  </p1510:revLst>
+</p1510:revInfo>
+</file>
+
+<file path=ppt/changesInfos/changesInfo1.xml><?xml version="1.0" encoding="utf-8"?>
+<pc:chgInfo xmlns:a="http://schemas.openxmlformats.org/drawingml/2006/main" xmlns:r="http://schemas.openxmlformats.org/officeDocument/2006/relationships" xmlns:ac="http://schemas.microsoft.com/office/drawing/2013/main/command" xmlns:pc="http://schemas.microsoft.com/office/powerpoint/2013/main/command">
+  <pc:docChgLst>
+    <pc:chgData name="Kats, Daniel" userId="402c4839-0ce2-4319-a45a-0fac307d74ac" providerId="ADAL" clId="{DE2277C1-AE8E-4A6B-A3FD-1A4A48F87F34}"/>
+    <pc:docChg chg="undo custSel addSld delSld modSld">
+      <pc:chgData name="Kats, Daniel" userId="402c4839-0ce2-4319-a45a-0fac307d74ac" providerId="ADAL" clId="{DE2277C1-AE8E-4A6B-A3FD-1A4A48F87F34}" dt="2024-02-20T17:56:45.212" v="2721" actId="20577"/>
+      <pc:docMkLst>
+        <pc:docMk/>
+      </pc:docMkLst>
+      <pc:sldChg chg="del">
+        <pc:chgData name="Kats, Daniel" userId="402c4839-0ce2-4319-a45a-0fac307d74ac" providerId="ADAL" clId="{DE2277C1-AE8E-4A6B-A3FD-1A4A48F87F34}" dt="2024-02-20T17:29:07.237" v="1" actId="47"/>
+        <pc:sldMkLst>
+          <pc:docMk/>
+          <pc:sldMk cId="2496924486" sldId="262"/>
+        </pc:sldMkLst>
+      </pc:sldChg>
+      <pc:sldChg chg="addSp delSp modSp mod">
+        <pc:chgData name="Kats, Daniel" userId="402c4839-0ce2-4319-a45a-0fac307d74ac" providerId="ADAL" clId="{DE2277C1-AE8E-4A6B-A3FD-1A4A48F87F34}" dt="2024-02-20T17:47:40.403" v="1494" actId="20577"/>
+        <pc:sldMkLst>
+          <pc:docMk/>
+          <pc:sldMk cId="1843006469" sldId="263"/>
+        </pc:sldMkLst>
+        <pc:spChg chg="add del mod">
+          <ac:chgData name="Kats, Daniel" userId="402c4839-0ce2-4319-a45a-0fac307d74ac" providerId="ADAL" clId="{DE2277C1-AE8E-4A6B-A3FD-1A4A48F87F34}" dt="2024-02-20T17:30:13.463" v="5" actId="478"/>
+          <ac:spMkLst>
+            <pc:docMk/>
+            <pc:sldMk cId="1843006469" sldId="263"/>
+            <ac:spMk id="5" creationId="{E9104830-5DBA-D6E3-A997-04FBD9ED1E0E}"/>
+          </ac:spMkLst>
+        </pc:spChg>
+        <pc:spChg chg="mod">
+          <ac:chgData name="Kats, Daniel" userId="402c4839-0ce2-4319-a45a-0fac307d74ac" providerId="ADAL" clId="{DE2277C1-AE8E-4A6B-A3FD-1A4A48F87F34}" dt="2024-02-20T17:35:31.398" v="204" actId="1076"/>
+          <ac:spMkLst>
+            <pc:docMk/>
+            <pc:sldMk cId="1843006469" sldId="263"/>
+            <ac:spMk id="6" creationId="{D37D031B-712B-8555-69A1-C90099D44F45}"/>
+          </ac:spMkLst>
+        </pc:spChg>
+        <pc:spChg chg="add del mod">
+          <ac:chgData name="Kats, Daniel" userId="402c4839-0ce2-4319-a45a-0fac307d74ac" providerId="ADAL" clId="{DE2277C1-AE8E-4A6B-A3FD-1A4A48F87F34}" dt="2024-02-20T17:30:13.463" v="5" actId="478"/>
+          <ac:spMkLst>
+            <pc:docMk/>
+            <pc:sldMk cId="1843006469" sldId="263"/>
+            <ac:spMk id="13" creationId="{36961FA7-5296-2D54-6F52-E4745F9D001C}"/>
+          </ac:spMkLst>
+        </pc:spChg>
+        <pc:spChg chg="add del mod">
+          <ac:chgData name="Kats, Daniel" userId="402c4839-0ce2-4319-a45a-0fac307d74ac" providerId="ADAL" clId="{DE2277C1-AE8E-4A6B-A3FD-1A4A48F87F34}" dt="2024-02-20T17:29:46.574" v="4" actId="478"/>
+          <ac:spMkLst>
+            <pc:docMk/>
+            <pc:sldMk cId="1843006469" sldId="263"/>
+            <ac:spMk id="14" creationId="{3322319E-9749-E679-F62E-FA6F8CD48827}"/>
+          </ac:spMkLst>
+        </pc:spChg>
+        <pc:spChg chg="add del mod">
+          <ac:chgData name="Kats, Daniel" userId="402c4839-0ce2-4319-a45a-0fac307d74ac" providerId="ADAL" clId="{DE2277C1-AE8E-4A6B-A3FD-1A4A48F87F34}" dt="2024-02-20T17:30:13.463" v="5" actId="478"/>
+          <ac:spMkLst>
+            <pc:docMk/>
+            <pc:sldMk cId="1843006469" sldId="263"/>
+            <ac:spMk id="17" creationId="{4D79F148-ADCF-AEB5-130B-2F9B343A7EF6}"/>
+          </ac:spMkLst>
+        </pc:spChg>
+        <pc:spChg chg="add del mod">
+          <ac:chgData name="Kats, Daniel" userId="402c4839-0ce2-4319-a45a-0fac307d74ac" providerId="ADAL" clId="{DE2277C1-AE8E-4A6B-A3FD-1A4A48F87F34}" dt="2024-02-20T17:30:13.463" v="5" actId="478"/>
+          <ac:spMkLst>
+            <pc:docMk/>
+            <pc:sldMk cId="1843006469" sldId="263"/>
+            <ac:spMk id="18" creationId="{92E250F3-723E-C950-BCF6-D1F8ADCAD1CD}"/>
+          </ac:spMkLst>
+        </pc:spChg>
+        <pc:spChg chg="add del mod">
+          <ac:chgData name="Kats, Daniel" userId="402c4839-0ce2-4319-a45a-0fac307d74ac" providerId="ADAL" clId="{DE2277C1-AE8E-4A6B-A3FD-1A4A48F87F34}" dt="2024-02-20T17:30:13.463" v="5" actId="478"/>
+          <ac:spMkLst>
+            <pc:docMk/>
+            <pc:sldMk cId="1843006469" sldId="263"/>
+            <ac:spMk id="19" creationId="{CC0E76EE-DED0-FF08-9510-0529B8F553CF}"/>
+          </ac:spMkLst>
+        </pc:spChg>
+        <pc:spChg chg="add del mod">
+          <ac:chgData name="Kats, Daniel" userId="402c4839-0ce2-4319-a45a-0fac307d74ac" providerId="ADAL" clId="{DE2277C1-AE8E-4A6B-A3FD-1A4A48F87F34}" dt="2024-02-20T17:30:13.463" v="5" actId="478"/>
+          <ac:spMkLst>
+            <pc:docMk/>
+            <pc:sldMk cId="1843006469" sldId="263"/>
+            <ac:spMk id="20" creationId="{986E7DB9-FEC2-31D8-9F70-6CF95C271CE3}"/>
+          </ac:spMkLst>
+        </pc:spChg>
+        <pc:spChg chg="add mod">
+          <ac:chgData name="Kats, Daniel" userId="402c4839-0ce2-4319-a45a-0fac307d74ac" providerId="ADAL" clId="{DE2277C1-AE8E-4A6B-A3FD-1A4A48F87F34}" dt="2024-02-20T17:35:26.890" v="202" actId="1076"/>
+          <ac:spMkLst>
+            <pc:docMk/>
+            <pc:sldMk cId="1843006469" sldId="263"/>
+            <ac:spMk id="32" creationId="{F744D26B-B2AA-584B-27A3-EA458651A6C6}"/>
+          </ac:spMkLst>
+        </pc:spChg>
+        <pc:spChg chg="add mod">
+          <ac:chgData name="Kats, Daniel" userId="402c4839-0ce2-4319-a45a-0fac307d74ac" providerId="ADAL" clId="{DE2277C1-AE8E-4A6B-A3FD-1A4A48F87F34}" dt="2024-02-20T17:35:26.890" v="202" actId="1076"/>
+          <ac:spMkLst>
+            <pc:docMk/>
+            <pc:sldMk cId="1843006469" sldId="263"/>
+            <ac:spMk id="33" creationId="{6385CBF4-7C25-D48E-893B-47F27891052F}"/>
+          </ac:spMkLst>
+        </pc:spChg>
+        <pc:spChg chg="add mod">
+          <ac:chgData name="Kats, Daniel" userId="402c4839-0ce2-4319-a45a-0fac307d74ac" providerId="ADAL" clId="{DE2277C1-AE8E-4A6B-A3FD-1A4A48F87F34}" dt="2024-02-20T17:35:26.890" v="202" actId="1076"/>
+          <ac:spMkLst>
+            <pc:docMk/>
+            <pc:sldMk cId="1843006469" sldId="263"/>
+            <ac:spMk id="34" creationId="{2E04C759-AE48-A67E-C3D7-5808BF245380}"/>
+          </ac:spMkLst>
+        </pc:spChg>
+        <pc:spChg chg="add mod">
+          <ac:chgData name="Kats, Daniel" userId="402c4839-0ce2-4319-a45a-0fac307d74ac" providerId="ADAL" clId="{DE2277C1-AE8E-4A6B-A3FD-1A4A48F87F34}" dt="2024-02-20T17:35:26.890" v="202" actId="1076"/>
+          <ac:spMkLst>
+            <pc:docMk/>
+            <pc:sldMk cId="1843006469" sldId="263"/>
+            <ac:spMk id="35" creationId="{21885C5A-A1DB-7729-A7CC-CF5D04963A4D}"/>
+          </ac:spMkLst>
+        </pc:spChg>
+        <pc:spChg chg="add mod">
+          <ac:chgData name="Kats, Daniel" userId="402c4839-0ce2-4319-a45a-0fac307d74ac" providerId="ADAL" clId="{DE2277C1-AE8E-4A6B-A3FD-1A4A48F87F34}" dt="2024-02-20T17:35:26.890" v="202" actId="1076"/>
+          <ac:spMkLst>
+            <pc:docMk/>
+            <pc:sldMk cId="1843006469" sldId="263"/>
+            <ac:spMk id="36" creationId="{555A31CF-088A-C2C0-9A7D-503D1E4BAB7F}"/>
+          </ac:spMkLst>
+        </pc:spChg>
+        <pc:spChg chg="add mod">
+          <ac:chgData name="Kats, Daniel" userId="402c4839-0ce2-4319-a45a-0fac307d74ac" providerId="ADAL" clId="{DE2277C1-AE8E-4A6B-A3FD-1A4A48F87F34}" dt="2024-02-20T17:35:26.890" v="202" actId="1076"/>
+          <ac:spMkLst>
+            <pc:docMk/>
+            <pc:sldMk cId="1843006469" sldId="263"/>
+            <ac:spMk id="37" creationId="{036AFDB4-8500-21C7-BEA5-D3D46949E0A5}"/>
+          </ac:spMkLst>
+        </pc:spChg>
+        <pc:spChg chg="add mod">
+          <ac:chgData name="Kats, Daniel" userId="402c4839-0ce2-4319-a45a-0fac307d74ac" providerId="ADAL" clId="{DE2277C1-AE8E-4A6B-A3FD-1A4A48F87F34}" dt="2024-02-20T17:43:01.899" v="939" actId="207"/>
+          <ac:spMkLst>
+            <pc:docMk/>
+            <pc:sldMk cId="1843006469" sldId="263"/>
+            <ac:spMk id="38" creationId="{4B39BCF0-2014-8D6A-04AC-BF5CE87ACBF2}"/>
+          </ac:spMkLst>
+        </pc:spChg>
+        <pc:spChg chg="add mod">
+          <ac:chgData name="Kats, Daniel" userId="402c4839-0ce2-4319-a45a-0fac307d74ac" providerId="ADAL" clId="{DE2277C1-AE8E-4A6B-A3FD-1A4A48F87F34}" dt="2024-02-20T17:43:07.442" v="940" actId="207"/>
+          <ac:spMkLst>
+            <pc:docMk/>
+            <pc:sldMk cId="1843006469" sldId="263"/>
+            <ac:spMk id="39" creationId="{BEEE5925-1905-7E38-A6FE-F0C22D4CA8BE}"/>
+          </ac:spMkLst>
+        </pc:spChg>
+        <pc:spChg chg="add mod">
+          <ac:chgData name="Kats, Daniel" userId="402c4839-0ce2-4319-a45a-0fac307d74ac" providerId="ADAL" clId="{DE2277C1-AE8E-4A6B-A3FD-1A4A48F87F34}" dt="2024-02-20T17:43:01.899" v="939" actId="207"/>
+          <ac:spMkLst>
+            <pc:docMk/>
+            <pc:sldMk cId="1843006469" sldId="263"/>
+            <ac:spMk id="40" creationId="{C6F99CBE-8387-BA0A-677F-5518EDB06C68}"/>
+          </ac:spMkLst>
+        </pc:spChg>
+        <pc:spChg chg="add mod">
+          <ac:chgData name="Kats, Daniel" userId="402c4839-0ce2-4319-a45a-0fac307d74ac" providerId="ADAL" clId="{DE2277C1-AE8E-4A6B-A3FD-1A4A48F87F34}" dt="2024-02-20T17:43:07.442" v="940" actId="207"/>
+          <ac:spMkLst>
+            <pc:docMk/>
+            <pc:sldMk cId="1843006469" sldId="263"/>
+            <ac:spMk id="41" creationId="{432A0B3C-FE8A-E2CF-D892-C8AA4D27FAE1}"/>
+          </ac:spMkLst>
+        </pc:spChg>
+        <pc:spChg chg="add mod">
+          <ac:chgData name="Kats, Daniel" userId="402c4839-0ce2-4319-a45a-0fac307d74ac" providerId="ADAL" clId="{DE2277C1-AE8E-4A6B-A3FD-1A4A48F87F34}" dt="2024-02-20T17:43:01.899" v="939" actId="207"/>
+          <ac:spMkLst>
+            <pc:docMk/>
+            <pc:sldMk cId="1843006469" sldId="263"/>
+            <ac:spMk id="42" creationId="{0EE71113-8B8F-CD9A-F78E-BDA7800E36D2}"/>
+          </ac:spMkLst>
+        </pc:spChg>
+        <pc:spChg chg="add mod">
+          <ac:chgData name="Kats, Daniel" userId="402c4839-0ce2-4319-a45a-0fac307d74ac" providerId="ADAL" clId="{DE2277C1-AE8E-4A6B-A3FD-1A4A48F87F34}" dt="2024-02-20T17:43:07.442" v="940" actId="207"/>
+          <ac:spMkLst>
+            <pc:docMk/>
+            <pc:sldMk cId="1843006469" sldId="263"/>
+            <ac:spMk id="43" creationId="{8E2C95BE-B97D-0BCF-BF33-9D96B2B9EE14}"/>
+          </ac:spMkLst>
+        </pc:spChg>
+        <pc:spChg chg="add del mod">
+          <ac:chgData name="Kats, Daniel" userId="402c4839-0ce2-4319-a45a-0fac307d74ac" providerId="ADAL" clId="{DE2277C1-AE8E-4A6B-A3FD-1A4A48F87F34}" dt="2024-02-20T17:33:42.201" v="138" actId="478"/>
+          <ac:spMkLst>
+            <pc:docMk/>
+            <pc:sldMk cId="1843006469" sldId="263"/>
+            <ac:spMk id="44" creationId="{5185C2C1-62B1-D8B4-896F-B8321018B171}"/>
+          </ac:spMkLst>
+        </pc:spChg>
+        <pc:spChg chg="add mod">
+          <ac:chgData name="Kats, Daniel" userId="402c4839-0ce2-4319-a45a-0fac307d74ac" providerId="ADAL" clId="{DE2277C1-AE8E-4A6B-A3FD-1A4A48F87F34}" dt="2024-02-20T17:40:07.393" v="610" actId="115"/>
+          <ac:spMkLst>
+            <pc:docMk/>
+            <pc:sldMk cId="1843006469" sldId="263"/>
+            <ac:spMk id="45" creationId="{A08BF924-AA3A-A1F5-214F-00D676FD0C47}"/>
+          </ac:spMkLst>
+        </pc:spChg>
+        <pc:spChg chg="add mod">
+          <ac:chgData name="Kats, Daniel" userId="402c4839-0ce2-4319-a45a-0fac307d74ac" providerId="ADAL" clId="{DE2277C1-AE8E-4A6B-A3FD-1A4A48F87F34}" dt="2024-02-20T17:43:23.657" v="944" actId="1076"/>
+          <ac:spMkLst>
+            <pc:docMk/>
+            <pc:sldMk cId="1843006469" sldId="263"/>
+            <ac:spMk id="46" creationId="{0F00E136-6A25-ADFF-AD64-FA506387483A}"/>
+          </ac:spMkLst>
+        </pc:spChg>
+        <pc:spChg chg="add mod">
+          <ac:chgData name="Kats, Daniel" userId="402c4839-0ce2-4319-a45a-0fac307d74ac" providerId="ADAL" clId="{DE2277C1-AE8E-4A6B-A3FD-1A4A48F87F34}" dt="2024-02-20T17:38:42.614" v="527" actId="1036"/>
+          <ac:spMkLst>
+            <pc:docMk/>
+            <pc:sldMk cId="1843006469" sldId="263"/>
+            <ac:spMk id="47" creationId="{96BEFEF4-A243-D6EB-1E80-7EAEF71811D3}"/>
+          </ac:spMkLst>
+        </pc:spChg>
+        <pc:spChg chg="add mod">
+          <ac:chgData name="Kats, Daniel" userId="402c4839-0ce2-4319-a45a-0fac307d74ac" providerId="ADAL" clId="{DE2277C1-AE8E-4A6B-A3FD-1A4A48F87F34}" dt="2024-02-20T17:44:02.538" v="981" actId="20577"/>
+          <ac:spMkLst>
+            <pc:docMk/>
+            <pc:sldMk cId="1843006469" sldId="263"/>
+            <ac:spMk id="48" creationId="{C595F975-3C5B-79AA-79DD-4E9E77FCD150}"/>
+          </ac:spMkLst>
+        </pc:spChg>
+        <pc:spChg chg="add mod">
+          <ac:chgData name="Kats, Daniel" userId="402c4839-0ce2-4319-a45a-0fac307d74ac" providerId="ADAL" clId="{DE2277C1-AE8E-4A6B-A3FD-1A4A48F87F34}" dt="2024-02-20T17:43:27.113" v="946" actId="1076"/>
+          <ac:spMkLst>
+            <pc:docMk/>
+            <pc:sldMk cId="1843006469" sldId="263"/>
+            <ac:spMk id="49" creationId="{E21252DF-73B9-C97C-8449-E1505BAC1D31}"/>
+          </ac:spMkLst>
+        </pc:spChg>
+        <pc:spChg chg="add mod">
+          <ac:chgData name="Kats, Daniel" userId="402c4839-0ce2-4319-a45a-0fac307d74ac" providerId="ADAL" clId="{DE2277C1-AE8E-4A6B-A3FD-1A4A48F87F34}" dt="2024-02-20T17:43:32.201" v="948" actId="1076"/>
+          <ac:spMkLst>
+            <pc:docMk/>
+            <pc:sldMk cId="1843006469" sldId="263"/>
+            <ac:spMk id="50" creationId="{6D41E233-F8FB-30B3-D300-7D2369229A05}"/>
+          </ac:spMkLst>
+        </pc:spChg>
+        <pc:spChg chg="add mod">
+          <ac:chgData name="Kats, Daniel" userId="402c4839-0ce2-4319-a45a-0fac307d74ac" providerId="ADAL" clId="{DE2277C1-AE8E-4A6B-A3FD-1A4A48F87F34}" dt="2024-02-20T17:43:44.829" v="960" actId="20577"/>
+          <ac:spMkLst>
+            <pc:docMk/>
+            <pc:sldMk cId="1843006469" sldId="263"/>
+            <ac:spMk id="51" creationId="{98DC6300-B186-92F5-83BE-65C72AAA9A74}"/>
+          </ac:spMkLst>
+        </pc:spChg>
+        <pc:spChg chg="add mod">
+          <ac:chgData name="Kats, Daniel" userId="402c4839-0ce2-4319-a45a-0fac307d74ac" providerId="ADAL" clId="{DE2277C1-AE8E-4A6B-A3FD-1A4A48F87F34}" dt="2024-02-20T17:43:52.647" v="967" actId="6549"/>
+          <ac:spMkLst>
+            <pc:docMk/>
+            <pc:sldMk cId="1843006469" sldId="263"/>
+            <ac:spMk id="52" creationId="{5B11DC90-945A-5F5E-369D-872CE1D59B58}"/>
+          </ac:spMkLst>
+        </pc:spChg>
+        <pc:spChg chg="add mod">
+          <ac:chgData name="Kats, Daniel" userId="402c4839-0ce2-4319-a45a-0fac307d74ac" providerId="ADAL" clId="{DE2277C1-AE8E-4A6B-A3FD-1A4A48F87F34}" dt="2024-02-20T17:45:50.884" v="1285" actId="20577"/>
+          <ac:spMkLst>
+            <pc:docMk/>
+            <pc:sldMk cId="1843006469" sldId="263"/>
+            <ac:spMk id="53" creationId="{0B45436D-FDDA-F86E-615F-D8AAED9DEF88}"/>
+          </ac:spMkLst>
+        </pc:spChg>
+        <pc:spChg chg="add del mod">
+          <ac:chgData name="Kats, Daniel" userId="402c4839-0ce2-4319-a45a-0fac307d74ac" providerId="ADAL" clId="{DE2277C1-AE8E-4A6B-A3FD-1A4A48F87F34}" dt="2024-02-20T17:46:20.985" v="1287"/>
+          <ac:spMkLst>
+            <pc:docMk/>
+            <pc:sldMk cId="1843006469" sldId="263"/>
+            <ac:spMk id="54" creationId="{99A3500E-7714-24FB-DB30-56DB96947C35}"/>
+          </ac:spMkLst>
+        </pc:spChg>
+        <pc:spChg chg="add mod">
+          <ac:chgData name="Kats, Daniel" userId="402c4839-0ce2-4319-a45a-0fac307d74ac" providerId="ADAL" clId="{DE2277C1-AE8E-4A6B-A3FD-1A4A48F87F34}" dt="2024-02-20T17:47:40.403" v="1494" actId="20577"/>
+          <ac:spMkLst>
+            <pc:docMk/>
+            <pc:sldMk cId="1843006469" sldId="263"/>
+            <ac:spMk id="55" creationId="{77172CDD-8C03-FF0B-5395-0F2C4D80D8CE}"/>
+          </ac:spMkLst>
+        </pc:spChg>
+        <pc:cxnChg chg="add del mod">
+          <ac:chgData name="Kats, Daniel" userId="402c4839-0ce2-4319-a45a-0fac307d74ac" providerId="ADAL" clId="{DE2277C1-AE8E-4A6B-A3FD-1A4A48F87F34}" dt="2024-02-20T17:30:13.463" v="5" actId="478"/>
+          <ac:cxnSpMkLst>
+            <pc:docMk/>
+            <pc:sldMk cId="1843006469" sldId="263"/>
+            <ac:cxnSpMk id="15" creationId="{FC88F592-31C6-439D-3C3D-5508B06EF53D}"/>
+          </ac:cxnSpMkLst>
+        </pc:cxnChg>
+        <pc:cxnChg chg="add del mod">
+          <ac:chgData name="Kats, Daniel" userId="402c4839-0ce2-4319-a45a-0fac307d74ac" providerId="ADAL" clId="{DE2277C1-AE8E-4A6B-A3FD-1A4A48F87F34}" dt="2024-02-20T17:30:13.463" v="5" actId="478"/>
+          <ac:cxnSpMkLst>
+            <pc:docMk/>
+            <pc:sldMk cId="1843006469" sldId="263"/>
+            <ac:cxnSpMk id="16" creationId="{3EDDBEE1-A989-7443-67D1-DCBA37490066}"/>
+          </ac:cxnSpMkLst>
+        </pc:cxnChg>
+        <pc:cxnChg chg="add mod">
+          <ac:chgData name="Kats, Daniel" userId="402c4839-0ce2-4319-a45a-0fac307d74ac" providerId="ADAL" clId="{DE2277C1-AE8E-4A6B-A3FD-1A4A48F87F34}" dt="2024-02-20T17:43:15.612" v="941" actId="208"/>
+          <ac:cxnSpMkLst>
+            <pc:docMk/>
+            <pc:sldMk cId="1843006469" sldId="263"/>
+            <ac:cxnSpMk id="22" creationId="{AA8AA0C6-69C5-C700-E24A-CFA1517AB7AE}"/>
+          </ac:cxnSpMkLst>
+        </pc:cxnChg>
+        <pc:cxnChg chg="add del mod">
+          <ac:chgData name="Kats, Daniel" userId="402c4839-0ce2-4319-a45a-0fac307d74ac" providerId="ADAL" clId="{DE2277C1-AE8E-4A6B-A3FD-1A4A48F87F34}" dt="2024-02-20T17:30:34.370" v="11" actId="478"/>
+          <ac:cxnSpMkLst>
+            <pc:docMk/>
+            <pc:sldMk cId="1843006469" sldId="263"/>
+            <ac:cxnSpMk id="23" creationId="{16470205-1F3E-C554-842E-3771D1B1B63A}"/>
+          </ac:cxnSpMkLst>
+        </pc:cxnChg>
+        <pc:cxnChg chg="add mod">
+          <ac:chgData name="Kats, Daniel" userId="402c4839-0ce2-4319-a45a-0fac307d74ac" providerId="ADAL" clId="{DE2277C1-AE8E-4A6B-A3FD-1A4A48F87F34}" dt="2024-02-20T17:43:15.612" v="941" actId="208"/>
+          <ac:cxnSpMkLst>
+            <pc:docMk/>
+            <pc:sldMk cId="1843006469" sldId="263"/>
+            <ac:cxnSpMk id="26" creationId="{7F86CB36-86FA-A874-786C-94BA436EFB44}"/>
+          </ac:cxnSpMkLst>
+        </pc:cxnChg>
+        <pc:cxnChg chg="add mod">
+          <ac:chgData name="Kats, Daniel" userId="402c4839-0ce2-4319-a45a-0fac307d74ac" providerId="ADAL" clId="{DE2277C1-AE8E-4A6B-A3FD-1A4A48F87F34}" dt="2024-02-20T17:43:15.612" v="941" actId="208"/>
+          <ac:cxnSpMkLst>
+            <pc:docMk/>
+            <pc:sldMk cId="1843006469" sldId="263"/>
+            <ac:cxnSpMk id="28" creationId="{E5E07A67-9178-885B-37FA-CF98AEF1C674}"/>
+          </ac:cxnSpMkLst>
+        </pc:cxnChg>
+        <pc:cxnChg chg="add mod">
+          <ac:chgData name="Kats, Daniel" userId="402c4839-0ce2-4319-a45a-0fac307d74ac" providerId="ADAL" clId="{DE2277C1-AE8E-4A6B-A3FD-1A4A48F87F34}" dt="2024-02-20T17:43:15.612" v="941" actId="208"/>
+          <ac:cxnSpMkLst>
+            <pc:docMk/>
+            <pc:sldMk cId="1843006469" sldId="263"/>
+            <ac:cxnSpMk id="29" creationId="{ECBB37F6-1D22-960C-91F4-92B67A151D56}"/>
+          </ac:cxnSpMkLst>
+        </pc:cxnChg>
+        <pc:cxnChg chg="add mod">
+          <ac:chgData name="Kats, Daniel" userId="402c4839-0ce2-4319-a45a-0fac307d74ac" providerId="ADAL" clId="{DE2277C1-AE8E-4A6B-A3FD-1A4A48F87F34}" dt="2024-02-20T17:43:15.612" v="941" actId="208"/>
+          <ac:cxnSpMkLst>
+            <pc:docMk/>
+            <pc:sldMk cId="1843006469" sldId="263"/>
+            <ac:cxnSpMk id="30" creationId="{D8B2F98D-3A83-13D3-FC73-A26537E891E4}"/>
+          </ac:cxnSpMkLst>
+        </pc:cxnChg>
+        <pc:cxnChg chg="add mod">
+          <ac:chgData name="Kats, Daniel" userId="402c4839-0ce2-4319-a45a-0fac307d74ac" providerId="ADAL" clId="{DE2277C1-AE8E-4A6B-A3FD-1A4A48F87F34}" dt="2024-02-20T17:43:15.612" v="941" actId="208"/>
+          <ac:cxnSpMkLst>
+            <pc:docMk/>
+            <pc:sldMk cId="1843006469" sldId="263"/>
+            <ac:cxnSpMk id="31" creationId="{FB6F1942-1CB4-E28F-36CF-C2E3D455F018}"/>
+          </ac:cxnSpMkLst>
+        </pc:cxnChg>
+      </pc:sldChg>
+      <pc:sldChg chg="addSp modSp new mod">
+        <pc:chgData name="Kats, Daniel" userId="402c4839-0ce2-4319-a45a-0fac307d74ac" providerId="ADAL" clId="{DE2277C1-AE8E-4A6B-A3FD-1A4A48F87F34}" dt="2024-02-20T17:56:45.212" v="2721" actId="20577"/>
+        <pc:sldMkLst>
+          <pc:docMk/>
+          <pc:sldMk cId="1428833616" sldId="264"/>
+        </pc:sldMkLst>
+        <pc:spChg chg="add mod">
+          <ac:chgData name="Kats, Daniel" userId="402c4839-0ce2-4319-a45a-0fac307d74ac" providerId="ADAL" clId="{DE2277C1-AE8E-4A6B-A3FD-1A4A48F87F34}" dt="2024-02-20T17:56:45.212" v="2721" actId="20577"/>
+          <ac:spMkLst>
+            <pc:docMk/>
+            <pc:sldMk cId="1428833616" sldId="264"/>
+            <ac:spMk id="2" creationId="{F3B72B0E-A251-0B4A-136E-6EB232C8A6FA}"/>
+          </ac:spMkLst>
+        </pc:spChg>
+      </pc:sldChg>
+      <pc:sldChg chg="del">
+        <pc:chgData name="Kats, Daniel" userId="402c4839-0ce2-4319-a45a-0fac307d74ac" providerId="ADAL" clId="{DE2277C1-AE8E-4A6B-A3FD-1A4A48F87F34}" dt="2024-02-20T17:29:07.237" v="1" actId="47"/>
+        <pc:sldMkLst>
+          <pc:docMk/>
+          <pc:sldMk cId="2999922019" sldId="264"/>
+        </pc:sldMkLst>
+      </pc:sldChg>
+      <pc:sldChg chg="del">
+        <pc:chgData name="Kats, Daniel" userId="402c4839-0ce2-4319-a45a-0fac307d74ac" providerId="ADAL" clId="{DE2277C1-AE8E-4A6B-A3FD-1A4A48F87F34}" dt="2024-02-20T17:29:07.237" v="1" actId="47"/>
+        <pc:sldMkLst>
+          <pc:docMk/>
+          <pc:sldMk cId="3555419933" sldId="265"/>
+        </pc:sldMkLst>
+      </pc:sldChg>
+      <pc:sldChg chg="new del">
+        <pc:chgData name="Kats, Daniel" userId="402c4839-0ce2-4319-a45a-0fac307d74ac" providerId="ADAL" clId="{DE2277C1-AE8E-4A6B-A3FD-1A4A48F87F34}" dt="2024-02-20T17:29:07.237" v="1" actId="47"/>
+        <pc:sldMkLst>
+          <pc:docMk/>
+          <pc:sldMk cId="1743289806" sldId="266"/>
+        </pc:sldMkLst>
+      </pc:sldChg>
+    </pc:docChg>
+  </pc:docChgLst>
+</pc:chgInfo>
 </file>
 
 <file path=ppt/slideLayouts/slideLayout1.xml><?xml version="1.0" encoding="utf-8"?>
@@ -242,7 +645,7 @@
           <a:p>
             <a:fld id="{0AB347D7-9DDE-47C7-9B91-FD1AF21BA931}" type="datetimeFigureOut">
               <a:rPr lang="en-US" smtClean="0"/>
-              <a:t>2/18/2024</a:t>
+              <a:t>2/20/2024</a:t>
             </a:fld>
             <a:endParaRPr lang="en-US"/>
           </a:p>
@@ -412,7 +815,7 @@
           <a:p>
             <a:fld id="{0AB347D7-9DDE-47C7-9B91-FD1AF21BA931}" type="datetimeFigureOut">
               <a:rPr lang="en-US" smtClean="0"/>
-              <a:t>2/18/2024</a:t>
+              <a:t>2/20/2024</a:t>
             </a:fld>
             <a:endParaRPr lang="en-US"/>
           </a:p>
@@ -592,7 +995,7 @@
           <a:p>
             <a:fld id="{0AB347D7-9DDE-47C7-9B91-FD1AF21BA931}" type="datetimeFigureOut">
               <a:rPr lang="en-US" smtClean="0"/>
-              <a:t>2/18/2024</a:t>
+              <a:t>2/20/2024</a:t>
             </a:fld>
             <a:endParaRPr lang="en-US"/>
           </a:p>
@@ -762,7 +1165,7 @@
           <a:p>
             <a:fld id="{0AB347D7-9DDE-47C7-9B91-FD1AF21BA931}" type="datetimeFigureOut">
               <a:rPr lang="en-US" smtClean="0"/>
-              <a:t>2/18/2024</a:t>
+              <a:t>2/20/2024</a:t>
             </a:fld>
             <a:endParaRPr lang="en-US"/>
           </a:p>
@@ -1006,7 +1409,7 @@
           <a:p>
             <a:fld id="{0AB347D7-9DDE-47C7-9B91-FD1AF21BA931}" type="datetimeFigureOut">
               <a:rPr lang="en-US" smtClean="0"/>
-              <a:t>2/18/2024</a:t>
+              <a:t>2/20/2024</a:t>
             </a:fld>
             <a:endParaRPr lang="en-US"/>
           </a:p>
@@ -1238,7 +1641,7 @@
           <a:p>
             <a:fld id="{0AB347D7-9DDE-47C7-9B91-FD1AF21BA931}" type="datetimeFigureOut">
               <a:rPr lang="en-US" smtClean="0"/>
-              <a:t>2/18/2024</a:t>
+              <a:t>2/20/2024</a:t>
             </a:fld>
             <a:endParaRPr lang="en-US"/>
           </a:p>
@@ -1605,7 +2008,7 @@
           <a:p>
             <a:fld id="{0AB347D7-9DDE-47C7-9B91-FD1AF21BA931}" type="datetimeFigureOut">
               <a:rPr lang="en-US" smtClean="0"/>
-              <a:t>2/18/2024</a:t>
+              <a:t>2/20/2024</a:t>
             </a:fld>
             <a:endParaRPr lang="en-US"/>
           </a:p>
@@ -1723,7 +2126,7 @@
           <a:p>
             <a:fld id="{0AB347D7-9DDE-47C7-9B91-FD1AF21BA931}" type="datetimeFigureOut">
               <a:rPr lang="en-US" smtClean="0"/>
-              <a:t>2/18/2024</a:t>
+              <a:t>2/20/2024</a:t>
             </a:fld>
             <a:endParaRPr lang="en-US"/>
           </a:p>
@@ -1818,7 +2221,7 @@
           <a:p>
             <a:fld id="{0AB347D7-9DDE-47C7-9B91-FD1AF21BA931}" type="datetimeFigureOut">
               <a:rPr lang="en-US" smtClean="0"/>
-              <a:t>2/18/2024</a:t>
+              <a:t>2/20/2024</a:t>
             </a:fld>
             <a:endParaRPr lang="en-US"/>
           </a:p>
@@ -2095,7 +2498,7 @@
           <a:p>
             <a:fld id="{0AB347D7-9DDE-47C7-9B91-FD1AF21BA931}" type="datetimeFigureOut">
               <a:rPr lang="en-US" smtClean="0"/>
-              <a:t>2/18/2024</a:t>
+              <a:t>2/20/2024</a:t>
             </a:fld>
             <a:endParaRPr lang="en-US"/>
           </a:p>
@@ -2352,7 +2755,7 @@
           <a:p>
             <a:fld id="{0AB347D7-9DDE-47C7-9B91-FD1AF21BA931}" type="datetimeFigureOut">
               <a:rPr lang="en-US" smtClean="0"/>
-              <a:t>2/18/2024</a:t>
+              <a:t>2/20/2024</a:t>
             </a:fld>
             <a:endParaRPr lang="en-US"/>
           </a:p>
@@ -2565,7 +2968,7 @@
           <a:p>
             <a:fld id="{0AB347D7-9DDE-47C7-9B91-FD1AF21BA931}" type="datetimeFigureOut">
               <a:rPr lang="en-US" smtClean="0"/>
-              <a:t>2/18/2024</a:t>
+              <a:t>2/20/2024</a:t>
             </a:fld>
             <a:endParaRPr lang="en-US"/>
           </a:p>
@@ -13048,7 +13451,7 @@
           <a:p>
             <a:r>
               <a:rPr lang="en-US" sz="5400" dirty="0"/>
-              <a:t>Sheet: 2</a:t>
+              <a:t>Sheet: 5</a:t>
             </a:r>
           </a:p>
           <a:p>
@@ -13073,7 +13476,7 @@
         </p:nvSpPr>
         <p:spPr>
           <a:xfrm>
-            <a:off x="19740282" y="4328972"/>
+            <a:off x="19740282" y="4307705"/>
             <a:ext cx="4791633" cy="1323439"/>
           </a:xfrm>
           <a:prstGeom prst="rect">
@@ -13144,7 +13547,7 @@
         <p:spPr>
           <a:xfrm>
             <a:off x="19740282" y="23344093"/>
-            <a:ext cx="4543231" cy="1323439"/>
+            <a:ext cx="2614434" cy="1323439"/>
           </a:xfrm>
           <a:prstGeom prst="rect">
             <a:avLst/>
@@ -13159,7 +13562,1413 @@
           <a:p>
             <a:r>
               <a:rPr lang="en-US" sz="8000" dirty="0"/>
-              <a:t>Discussion</a:t>
+              <a:t>Detail</a:t>
+            </a:r>
+          </a:p>
+        </p:txBody>
+      </p:sp>
+      <p:cxnSp>
+        <p:nvCxnSpPr>
+          <p:cNvPr id="22" name="Straight Arrow Connector 21">
+            <a:extLst>
+              <a:ext uri="{FF2B5EF4-FFF2-40B4-BE49-F238E27FC236}">
+                <a16:creationId xmlns:a16="http://schemas.microsoft.com/office/drawing/2014/main" id="{AA8AA0C6-69C5-C700-E24A-CFA1517AB7AE}"/>
+              </a:ext>
+            </a:extLst>
+          </p:cNvPr>
+          <p:cNvCxnSpPr/>
+          <p:nvPr/>
+        </p:nvCxnSpPr>
+        <p:spPr>
+          <a:xfrm>
+            <a:off x="1297858" y="16368092"/>
+            <a:ext cx="10974592" cy="0"/>
+          </a:xfrm>
+          <a:prstGeom prst="straightConnector1">
+            <a:avLst/>
+          </a:prstGeom>
+          <a:ln w="76200">
+            <a:solidFill>
+              <a:schemeClr val="tx1"/>
+            </a:solidFill>
+            <a:tailEnd type="triangle"/>
+          </a:ln>
+        </p:spPr>
+        <p:style>
+          <a:lnRef idx="1">
+            <a:schemeClr val="accent1"/>
+          </a:lnRef>
+          <a:fillRef idx="0">
+            <a:schemeClr val="accent1"/>
+          </a:fillRef>
+          <a:effectRef idx="0">
+            <a:schemeClr val="accent1"/>
+          </a:effectRef>
+          <a:fontRef idx="minor">
+            <a:schemeClr val="tx1"/>
+          </a:fontRef>
+        </p:style>
+      </p:cxnSp>
+      <p:cxnSp>
+        <p:nvCxnSpPr>
+          <p:cNvPr id="26" name="Straight Arrow Connector 25">
+            <a:extLst>
+              <a:ext uri="{FF2B5EF4-FFF2-40B4-BE49-F238E27FC236}">
+                <a16:creationId xmlns:a16="http://schemas.microsoft.com/office/drawing/2014/main" id="{7F86CB36-86FA-A874-786C-94BA436EFB44}"/>
+              </a:ext>
+            </a:extLst>
+          </p:cNvPr>
+          <p:cNvCxnSpPr/>
+          <p:nvPr/>
+        </p:nvCxnSpPr>
+        <p:spPr>
+          <a:xfrm flipV="1">
+            <a:off x="1297858" y="5658023"/>
+            <a:ext cx="0" cy="10710069"/>
+          </a:xfrm>
+          <a:prstGeom prst="straightConnector1">
+            <a:avLst/>
+          </a:prstGeom>
+          <a:ln w="76200">
+            <a:solidFill>
+              <a:schemeClr val="tx1"/>
+            </a:solidFill>
+            <a:tailEnd type="triangle"/>
+          </a:ln>
+        </p:spPr>
+        <p:style>
+          <a:lnRef idx="1">
+            <a:schemeClr val="accent1"/>
+          </a:lnRef>
+          <a:fillRef idx="0">
+            <a:schemeClr val="accent1"/>
+          </a:fillRef>
+          <a:effectRef idx="0">
+            <a:schemeClr val="accent1"/>
+          </a:effectRef>
+          <a:fontRef idx="minor">
+            <a:schemeClr val="tx1"/>
+          </a:fontRef>
+        </p:style>
+      </p:cxnSp>
+      <p:cxnSp>
+        <p:nvCxnSpPr>
+          <p:cNvPr id="28" name="Straight Connector 27">
+            <a:extLst>
+              <a:ext uri="{FF2B5EF4-FFF2-40B4-BE49-F238E27FC236}">
+                <a16:creationId xmlns:a16="http://schemas.microsoft.com/office/drawing/2014/main" id="{E5E07A67-9178-885B-37FA-CF98AEF1C674}"/>
+              </a:ext>
+            </a:extLst>
+          </p:cNvPr>
+          <p:cNvCxnSpPr/>
+          <p:nvPr/>
+        </p:nvCxnSpPr>
+        <p:spPr>
+          <a:xfrm>
+            <a:off x="1297858" y="8669434"/>
+            <a:ext cx="10294374" cy="0"/>
+          </a:xfrm>
+          <a:prstGeom prst="line">
+            <a:avLst/>
+          </a:prstGeom>
+          <a:ln>
+            <a:solidFill>
+              <a:schemeClr val="tx1"/>
+            </a:solidFill>
+          </a:ln>
+        </p:spPr>
+        <p:style>
+          <a:lnRef idx="1">
+            <a:schemeClr val="accent1"/>
+          </a:lnRef>
+          <a:fillRef idx="0">
+            <a:schemeClr val="accent1"/>
+          </a:fillRef>
+          <a:effectRef idx="0">
+            <a:schemeClr val="accent1"/>
+          </a:effectRef>
+          <a:fontRef idx="minor">
+            <a:schemeClr val="tx1"/>
+          </a:fontRef>
+        </p:style>
+      </p:cxnSp>
+      <p:cxnSp>
+        <p:nvCxnSpPr>
+          <p:cNvPr id="29" name="Straight Connector 28">
+            <a:extLst>
+              <a:ext uri="{FF2B5EF4-FFF2-40B4-BE49-F238E27FC236}">
+                <a16:creationId xmlns:a16="http://schemas.microsoft.com/office/drawing/2014/main" id="{ECBB37F6-1D22-960C-91F4-92B67A151D56}"/>
+              </a:ext>
+            </a:extLst>
+          </p:cNvPr>
+          <p:cNvCxnSpPr/>
+          <p:nvPr/>
+        </p:nvCxnSpPr>
+        <p:spPr>
+          <a:xfrm>
+            <a:off x="1297858" y="7464982"/>
+            <a:ext cx="10294374" cy="0"/>
+          </a:xfrm>
+          <a:prstGeom prst="line">
+            <a:avLst/>
+          </a:prstGeom>
+          <a:ln>
+            <a:solidFill>
+              <a:schemeClr val="tx1"/>
+            </a:solidFill>
+          </a:ln>
+        </p:spPr>
+        <p:style>
+          <a:lnRef idx="1">
+            <a:schemeClr val="accent1"/>
+          </a:lnRef>
+          <a:fillRef idx="0">
+            <a:schemeClr val="accent1"/>
+          </a:fillRef>
+          <a:effectRef idx="0">
+            <a:schemeClr val="accent1"/>
+          </a:effectRef>
+          <a:fontRef idx="minor">
+            <a:schemeClr val="tx1"/>
+          </a:fontRef>
+        </p:style>
+      </p:cxnSp>
+      <p:cxnSp>
+        <p:nvCxnSpPr>
+          <p:cNvPr id="30" name="Straight Connector 29">
+            <a:extLst>
+              <a:ext uri="{FF2B5EF4-FFF2-40B4-BE49-F238E27FC236}">
+                <a16:creationId xmlns:a16="http://schemas.microsoft.com/office/drawing/2014/main" id="{D8B2F98D-3A83-13D3-FC73-A26537E891E4}"/>
+              </a:ext>
+            </a:extLst>
+          </p:cNvPr>
+          <p:cNvCxnSpPr/>
+          <p:nvPr/>
+        </p:nvCxnSpPr>
+        <p:spPr>
+          <a:xfrm>
+            <a:off x="1297858" y="6167125"/>
+            <a:ext cx="10294374" cy="0"/>
+          </a:xfrm>
+          <a:prstGeom prst="line">
+            <a:avLst/>
+          </a:prstGeom>
+          <a:ln>
+            <a:solidFill>
+              <a:schemeClr val="tx1"/>
+            </a:solidFill>
+          </a:ln>
+        </p:spPr>
+        <p:style>
+          <a:lnRef idx="1">
+            <a:schemeClr val="accent1"/>
+          </a:lnRef>
+          <a:fillRef idx="0">
+            <a:schemeClr val="accent1"/>
+          </a:fillRef>
+          <a:effectRef idx="0">
+            <a:schemeClr val="accent1"/>
+          </a:effectRef>
+          <a:fontRef idx="minor">
+            <a:schemeClr val="tx1"/>
+          </a:fontRef>
+        </p:style>
+      </p:cxnSp>
+      <p:cxnSp>
+        <p:nvCxnSpPr>
+          <p:cNvPr id="31" name="Straight Connector 30">
+            <a:extLst>
+              <a:ext uri="{FF2B5EF4-FFF2-40B4-BE49-F238E27FC236}">
+                <a16:creationId xmlns:a16="http://schemas.microsoft.com/office/drawing/2014/main" id="{FB6F1942-1CB4-E28F-36CF-C2E3D455F018}"/>
+              </a:ext>
+            </a:extLst>
+          </p:cNvPr>
+          <p:cNvCxnSpPr/>
+          <p:nvPr/>
+        </p:nvCxnSpPr>
+        <p:spPr>
+          <a:xfrm>
+            <a:off x="1297858" y="12154970"/>
+            <a:ext cx="10294374" cy="0"/>
+          </a:xfrm>
+          <a:prstGeom prst="line">
+            <a:avLst/>
+          </a:prstGeom>
+          <a:ln>
+            <a:solidFill>
+              <a:schemeClr val="tx1"/>
+            </a:solidFill>
+          </a:ln>
+        </p:spPr>
+        <p:style>
+          <a:lnRef idx="1">
+            <a:schemeClr val="accent1"/>
+          </a:lnRef>
+          <a:fillRef idx="0">
+            <a:schemeClr val="accent1"/>
+          </a:fillRef>
+          <a:effectRef idx="0">
+            <a:schemeClr val="accent1"/>
+          </a:effectRef>
+          <a:fontRef idx="minor">
+            <a:schemeClr val="tx1"/>
+          </a:fontRef>
+        </p:style>
+      </p:cxnSp>
+      <p:sp>
+        <p:nvSpPr>
+          <p:cNvPr id="32" name="TextBox 31">
+            <a:extLst>
+              <a:ext uri="{FF2B5EF4-FFF2-40B4-BE49-F238E27FC236}">
+                <a16:creationId xmlns:a16="http://schemas.microsoft.com/office/drawing/2014/main" id="{F744D26B-B2AA-584B-27A3-EA458651A6C6}"/>
+              </a:ext>
+            </a:extLst>
+          </p:cNvPr>
+          <p:cNvSpPr txBox="1"/>
+          <p:nvPr/>
+        </p:nvSpPr>
+        <p:spPr>
+          <a:xfrm>
+            <a:off x="6676790" y="5631144"/>
+            <a:ext cx="4955457" cy="523220"/>
+          </a:xfrm>
+          <a:prstGeom prst="rect">
+            <a:avLst/>
+          </a:prstGeom>
+          <a:noFill/>
+        </p:spPr>
+        <p:txBody>
+          <a:bodyPr wrap="square" rtlCol="0">
+            <a:spAutoFit/>
+          </a:bodyPr>
+          <a:lstStyle/>
+          <a:p>
+            <a:pPr algn="r"/>
+            <a:r>
+              <a:rPr lang="en-US" sz="2800" dirty="0"/>
+              <a:t>95</a:t>
+            </a:r>
+            <a:r>
+              <a:rPr lang="en-US" sz="2800" baseline="30000" dirty="0"/>
+              <a:t>th</a:t>
+            </a:r>
+            <a:r>
+              <a:rPr lang="en-US" sz="2800" dirty="0"/>
+              <a:t> percentile + 12 mmHg</a:t>
+            </a:r>
+          </a:p>
+        </p:txBody>
+      </p:sp>
+      <p:sp>
+        <p:nvSpPr>
+          <p:cNvPr id="33" name="TextBox 32">
+            <a:extLst>
+              <a:ext uri="{FF2B5EF4-FFF2-40B4-BE49-F238E27FC236}">
+                <a16:creationId xmlns:a16="http://schemas.microsoft.com/office/drawing/2014/main" id="{6385CBF4-7C25-D48E-893B-47F27891052F}"/>
+              </a:ext>
+            </a:extLst>
+          </p:cNvPr>
+          <p:cNvSpPr txBox="1"/>
+          <p:nvPr/>
+        </p:nvSpPr>
+        <p:spPr>
+          <a:xfrm>
+            <a:off x="6649214" y="6957005"/>
+            <a:ext cx="4955457" cy="523220"/>
+          </a:xfrm>
+          <a:prstGeom prst="rect">
+            <a:avLst/>
+          </a:prstGeom>
+          <a:noFill/>
+        </p:spPr>
+        <p:txBody>
+          <a:bodyPr wrap="square" rtlCol="0">
+            <a:spAutoFit/>
+          </a:bodyPr>
+          <a:lstStyle/>
+          <a:p>
+            <a:pPr algn="r"/>
+            <a:r>
+              <a:rPr lang="en-US" sz="2800" dirty="0"/>
+              <a:t>95</a:t>
+            </a:r>
+            <a:r>
+              <a:rPr lang="en-US" sz="2800" baseline="30000" dirty="0"/>
+              <a:t>th</a:t>
+            </a:r>
+            <a:r>
+              <a:rPr lang="en-US" sz="2800" dirty="0"/>
+              <a:t> percentile</a:t>
+            </a:r>
+          </a:p>
+        </p:txBody>
+      </p:sp>
+      <p:sp>
+        <p:nvSpPr>
+          <p:cNvPr id="34" name="TextBox 33">
+            <a:extLst>
+              <a:ext uri="{FF2B5EF4-FFF2-40B4-BE49-F238E27FC236}">
+                <a16:creationId xmlns:a16="http://schemas.microsoft.com/office/drawing/2014/main" id="{2E04C759-AE48-A67E-C3D7-5808BF245380}"/>
+              </a:ext>
+            </a:extLst>
+          </p:cNvPr>
+          <p:cNvSpPr txBox="1"/>
+          <p:nvPr/>
+        </p:nvSpPr>
+        <p:spPr>
+          <a:xfrm>
+            <a:off x="6676790" y="8177607"/>
+            <a:ext cx="4955457" cy="523220"/>
+          </a:xfrm>
+          <a:prstGeom prst="rect">
+            <a:avLst/>
+          </a:prstGeom>
+          <a:noFill/>
+        </p:spPr>
+        <p:txBody>
+          <a:bodyPr wrap="square" rtlCol="0">
+            <a:spAutoFit/>
+          </a:bodyPr>
+          <a:lstStyle/>
+          <a:p>
+            <a:pPr algn="r"/>
+            <a:r>
+              <a:rPr lang="en-US" sz="2800" dirty="0"/>
+              <a:t>90</a:t>
+            </a:r>
+            <a:r>
+              <a:rPr lang="en-US" sz="2800" baseline="30000" dirty="0"/>
+              <a:t>th</a:t>
+            </a:r>
+            <a:r>
+              <a:rPr lang="en-US" sz="2800" dirty="0"/>
+              <a:t> percentile</a:t>
+            </a:r>
+          </a:p>
+        </p:txBody>
+      </p:sp>
+      <p:sp>
+        <p:nvSpPr>
+          <p:cNvPr id="35" name="TextBox 34">
+            <a:extLst>
+              <a:ext uri="{FF2B5EF4-FFF2-40B4-BE49-F238E27FC236}">
+                <a16:creationId xmlns:a16="http://schemas.microsoft.com/office/drawing/2014/main" id="{21885C5A-A1DB-7729-A7CC-CF5D04963A4D}"/>
+              </a:ext>
+            </a:extLst>
+          </p:cNvPr>
+          <p:cNvSpPr txBox="1"/>
+          <p:nvPr/>
+        </p:nvSpPr>
+        <p:spPr>
+          <a:xfrm>
+            <a:off x="6649214" y="11693346"/>
+            <a:ext cx="4955457" cy="523220"/>
+          </a:xfrm>
+          <a:prstGeom prst="rect">
+            <a:avLst/>
+          </a:prstGeom>
+          <a:noFill/>
+        </p:spPr>
+        <p:txBody>
+          <a:bodyPr wrap="square" rtlCol="0">
+            <a:spAutoFit/>
+          </a:bodyPr>
+          <a:lstStyle/>
+          <a:p>
+            <a:pPr algn="r"/>
+            <a:r>
+              <a:rPr lang="en-US" sz="2800" dirty="0"/>
+              <a:t>50</a:t>
+            </a:r>
+            <a:r>
+              <a:rPr lang="en-US" sz="2800" baseline="30000" dirty="0"/>
+              <a:t>th</a:t>
+            </a:r>
+            <a:r>
+              <a:rPr lang="en-US" sz="2800" dirty="0"/>
+              <a:t> percentile</a:t>
+            </a:r>
+          </a:p>
+        </p:txBody>
+      </p:sp>
+      <p:sp>
+        <p:nvSpPr>
+          <p:cNvPr id="36" name="TextBox 35">
+            <a:extLst>
+              <a:ext uri="{FF2B5EF4-FFF2-40B4-BE49-F238E27FC236}">
+                <a16:creationId xmlns:a16="http://schemas.microsoft.com/office/drawing/2014/main" id="{555A31CF-088A-C2C0-9A7D-503D1E4BAB7F}"/>
+              </a:ext>
+            </a:extLst>
+          </p:cNvPr>
+          <p:cNvSpPr txBox="1"/>
+          <p:nvPr/>
+        </p:nvSpPr>
+        <p:spPr>
+          <a:xfrm>
+            <a:off x="5161936" y="16466799"/>
+            <a:ext cx="4689987" cy="830997"/>
+          </a:xfrm>
+          <a:prstGeom prst="rect">
+            <a:avLst/>
+          </a:prstGeom>
+          <a:noFill/>
+        </p:spPr>
+        <p:txBody>
+          <a:bodyPr wrap="square" rtlCol="0">
+            <a:spAutoFit/>
+          </a:bodyPr>
+          <a:lstStyle/>
+          <a:p>
+            <a:pPr algn="ctr"/>
+            <a:r>
+              <a:rPr lang="en-US" sz="4800" dirty="0"/>
+              <a:t>Age (years)</a:t>
+            </a:r>
+          </a:p>
+        </p:txBody>
+      </p:sp>
+      <p:sp>
+        <p:nvSpPr>
+          <p:cNvPr id="37" name="TextBox 36">
+            <a:extLst>
+              <a:ext uri="{FF2B5EF4-FFF2-40B4-BE49-F238E27FC236}">
+                <a16:creationId xmlns:a16="http://schemas.microsoft.com/office/drawing/2014/main" id="{036AFDB4-8500-21C7-BEA5-D3D46949E0A5}"/>
+              </a:ext>
+            </a:extLst>
+          </p:cNvPr>
+          <p:cNvSpPr txBox="1"/>
+          <p:nvPr/>
+        </p:nvSpPr>
+        <p:spPr>
+          <a:xfrm rot="16200000">
+            <a:off x="-2589223" y="10234684"/>
+            <a:ext cx="6863135" cy="830997"/>
+          </a:xfrm>
+          <a:prstGeom prst="rect">
+            <a:avLst/>
+          </a:prstGeom>
+          <a:noFill/>
+        </p:spPr>
+        <p:txBody>
+          <a:bodyPr wrap="square" rtlCol="0">
+            <a:spAutoFit/>
+          </a:bodyPr>
+          <a:lstStyle/>
+          <a:p>
+            <a:pPr algn="ctr"/>
+            <a:r>
+              <a:rPr lang="en-US" sz="4800" dirty="0"/>
+              <a:t>Blood pressure (mmHg)</a:t>
+            </a:r>
+          </a:p>
+        </p:txBody>
+      </p:sp>
+      <p:sp>
+        <p:nvSpPr>
+          <p:cNvPr id="38" name="Oval 37">
+            <a:extLst>
+              <a:ext uri="{FF2B5EF4-FFF2-40B4-BE49-F238E27FC236}">
+                <a16:creationId xmlns:a16="http://schemas.microsoft.com/office/drawing/2014/main" id="{4B39BCF0-2014-8D6A-04AC-BF5CE87ACBF2}"/>
+              </a:ext>
+            </a:extLst>
+          </p:cNvPr>
+          <p:cNvSpPr/>
+          <p:nvPr/>
+        </p:nvSpPr>
+        <p:spPr>
+          <a:xfrm>
+            <a:off x="2590327" y="10553613"/>
+            <a:ext cx="206477" cy="206477"/>
+          </a:xfrm>
+          <a:prstGeom prst="ellipse">
+            <a:avLst/>
+          </a:prstGeom>
+          <a:solidFill>
+            <a:schemeClr val="accent2"/>
+          </a:solidFill>
+          <a:ln>
+            <a:noFill/>
+          </a:ln>
+        </p:spPr>
+        <p:style>
+          <a:lnRef idx="2">
+            <a:schemeClr val="accent1">
+              <a:shade val="15000"/>
+            </a:schemeClr>
+          </a:lnRef>
+          <a:fillRef idx="1">
+            <a:schemeClr val="accent1"/>
+          </a:fillRef>
+          <a:effectRef idx="0">
+            <a:schemeClr val="accent1"/>
+          </a:effectRef>
+          <a:fontRef idx="minor">
+            <a:schemeClr val="lt1"/>
+          </a:fontRef>
+        </p:style>
+        <p:txBody>
+          <a:bodyPr rtlCol="0" anchor="ctr"/>
+          <a:lstStyle/>
+          <a:p>
+            <a:pPr algn="ctr"/>
+            <a:endParaRPr lang="en-US"/>
+          </a:p>
+        </p:txBody>
+      </p:sp>
+      <p:sp>
+        <p:nvSpPr>
+          <p:cNvPr id="39" name="Oval 38">
+            <a:extLst>
+              <a:ext uri="{FF2B5EF4-FFF2-40B4-BE49-F238E27FC236}">
+                <a16:creationId xmlns:a16="http://schemas.microsoft.com/office/drawing/2014/main" id="{BEEE5925-1905-7E38-A6FE-F0C22D4CA8BE}"/>
+              </a:ext>
+            </a:extLst>
+          </p:cNvPr>
+          <p:cNvSpPr/>
+          <p:nvPr/>
+        </p:nvSpPr>
+        <p:spPr>
+          <a:xfrm>
+            <a:off x="2590326" y="9925508"/>
+            <a:ext cx="206477" cy="206477"/>
+          </a:xfrm>
+          <a:prstGeom prst="ellipse">
+            <a:avLst/>
+          </a:prstGeom>
+          <a:solidFill>
+            <a:schemeClr val="accent1"/>
+          </a:solidFill>
+          <a:ln>
+            <a:noFill/>
+          </a:ln>
+        </p:spPr>
+        <p:style>
+          <a:lnRef idx="2">
+            <a:schemeClr val="accent1">
+              <a:shade val="15000"/>
+            </a:schemeClr>
+          </a:lnRef>
+          <a:fillRef idx="1">
+            <a:schemeClr val="accent1"/>
+          </a:fillRef>
+          <a:effectRef idx="0">
+            <a:schemeClr val="accent1"/>
+          </a:effectRef>
+          <a:fontRef idx="minor">
+            <a:schemeClr val="lt1"/>
+          </a:fontRef>
+        </p:style>
+        <p:txBody>
+          <a:bodyPr rtlCol="0" anchor="ctr"/>
+          <a:lstStyle/>
+          <a:p>
+            <a:pPr algn="ctr"/>
+            <a:endParaRPr lang="en-US"/>
+          </a:p>
+        </p:txBody>
+      </p:sp>
+      <p:sp>
+        <p:nvSpPr>
+          <p:cNvPr id="40" name="Oval 39">
+            <a:extLst>
+              <a:ext uri="{FF2B5EF4-FFF2-40B4-BE49-F238E27FC236}">
+                <a16:creationId xmlns:a16="http://schemas.microsoft.com/office/drawing/2014/main" id="{C6F99CBE-8387-BA0A-677F-5518EDB06C68}"/>
+              </a:ext>
+            </a:extLst>
+          </p:cNvPr>
+          <p:cNvSpPr/>
+          <p:nvPr/>
+        </p:nvSpPr>
+        <p:spPr>
+          <a:xfrm>
+            <a:off x="3794304" y="9672325"/>
+            <a:ext cx="206477" cy="206477"/>
+          </a:xfrm>
+          <a:prstGeom prst="ellipse">
+            <a:avLst/>
+          </a:prstGeom>
+          <a:solidFill>
+            <a:schemeClr val="accent2"/>
+          </a:solidFill>
+          <a:ln>
+            <a:noFill/>
+          </a:ln>
+        </p:spPr>
+        <p:style>
+          <a:lnRef idx="2">
+            <a:schemeClr val="accent1">
+              <a:shade val="15000"/>
+            </a:schemeClr>
+          </a:lnRef>
+          <a:fillRef idx="1">
+            <a:schemeClr val="accent1"/>
+          </a:fillRef>
+          <a:effectRef idx="0">
+            <a:schemeClr val="accent1"/>
+          </a:effectRef>
+          <a:fontRef idx="minor">
+            <a:schemeClr val="lt1"/>
+          </a:fontRef>
+        </p:style>
+        <p:txBody>
+          <a:bodyPr rtlCol="0" anchor="ctr"/>
+          <a:lstStyle/>
+          <a:p>
+            <a:pPr algn="ctr"/>
+            <a:endParaRPr lang="en-US"/>
+          </a:p>
+        </p:txBody>
+      </p:sp>
+      <p:sp>
+        <p:nvSpPr>
+          <p:cNvPr id="41" name="Oval 40">
+            <a:extLst>
+              <a:ext uri="{FF2B5EF4-FFF2-40B4-BE49-F238E27FC236}">
+                <a16:creationId xmlns:a16="http://schemas.microsoft.com/office/drawing/2014/main" id="{432A0B3C-FE8A-E2CF-D892-C8AA4D27FAE1}"/>
+              </a:ext>
+            </a:extLst>
+          </p:cNvPr>
+          <p:cNvSpPr/>
+          <p:nvPr/>
+        </p:nvSpPr>
+        <p:spPr>
+          <a:xfrm>
+            <a:off x="3810143" y="7167398"/>
+            <a:ext cx="206477" cy="206477"/>
+          </a:xfrm>
+          <a:prstGeom prst="ellipse">
+            <a:avLst/>
+          </a:prstGeom>
+          <a:solidFill>
+            <a:schemeClr val="accent1"/>
+          </a:solidFill>
+          <a:ln>
+            <a:noFill/>
+          </a:ln>
+        </p:spPr>
+        <p:style>
+          <a:lnRef idx="2">
+            <a:schemeClr val="accent1">
+              <a:shade val="15000"/>
+            </a:schemeClr>
+          </a:lnRef>
+          <a:fillRef idx="1">
+            <a:schemeClr val="accent1"/>
+          </a:fillRef>
+          <a:effectRef idx="0">
+            <a:schemeClr val="accent1"/>
+          </a:effectRef>
+          <a:fontRef idx="minor">
+            <a:schemeClr val="lt1"/>
+          </a:fontRef>
+        </p:style>
+        <p:txBody>
+          <a:bodyPr rtlCol="0" anchor="ctr"/>
+          <a:lstStyle/>
+          <a:p>
+            <a:pPr algn="ctr"/>
+            <a:endParaRPr lang="en-US"/>
+          </a:p>
+        </p:txBody>
+      </p:sp>
+      <p:sp>
+        <p:nvSpPr>
+          <p:cNvPr id="42" name="Oval 41">
+            <a:extLst>
+              <a:ext uri="{FF2B5EF4-FFF2-40B4-BE49-F238E27FC236}">
+                <a16:creationId xmlns:a16="http://schemas.microsoft.com/office/drawing/2014/main" id="{0EE71113-8B8F-CD9A-F78E-BDA7800E36D2}"/>
+              </a:ext>
+            </a:extLst>
+          </p:cNvPr>
+          <p:cNvSpPr/>
+          <p:nvPr/>
+        </p:nvSpPr>
+        <p:spPr>
+          <a:xfrm>
+            <a:off x="6365913" y="8200594"/>
+            <a:ext cx="206477" cy="206477"/>
+          </a:xfrm>
+          <a:prstGeom prst="ellipse">
+            <a:avLst/>
+          </a:prstGeom>
+          <a:solidFill>
+            <a:schemeClr val="accent2"/>
+          </a:solidFill>
+          <a:ln>
+            <a:noFill/>
+          </a:ln>
+        </p:spPr>
+        <p:style>
+          <a:lnRef idx="2">
+            <a:schemeClr val="accent1">
+              <a:shade val="15000"/>
+            </a:schemeClr>
+          </a:lnRef>
+          <a:fillRef idx="1">
+            <a:schemeClr val="accent1"/>
+          </a:fillRef>
+          <a:effectRef idx="0">
+            <a:schemeClr val="accent1"/>
+          </a:effectRef>
+          <a:fontRef idx="minor">
+            <a:schemeClr val="lt1"/>
+          </a:fontRef>
+        </p:style>
+        <p:txBody>
+          <a:bodyPr rtlCol="0" anchor="ctr"/>
+          <a:lstStyle/>
+          <a:p>
+            <a:pPr algn="ctr"/>
+            <a:endParaRPr lang="en-US"/>
+          </a:p>
+        </p:txBody>
+      </p:sp>
+      <p:sp>
+        <p:nvSpPr>
+          <p:cNvPr id="43" name="Oval 42">
+            <a:extLst>
+              <a:ext uri="{FF2B5EF4-FFF2-40B4-BE49-F238E27FC236}">
+                <a16:creationId xmlns:a16="http://schemas.microsoft.com/office/drawing/2014/main" id="{8E2C95BE-B97D-0BCF-BF33-9D96B2B9EE14}"/>
+              </a:ext>
+            </a:extLst>
+          </p:cNvPr>
+          <p:cNvSpPr/>
+          <p:nvPr/>
+        </p:nvSpPr>
+        <p:spPr>
+          <a:xfrm>
+            <a:off x="6341542" y="7038836"/>
+            <a:ext cx="206477" cy="206477"/>
+          </a:xfrm>
+          <a:prstGeom prst="ellipse">
+            <a:avLst/>
+          </a:prstGeom>
+          <a:solidFill>
+            <a:schemeClr val="accent1"/>
+          </a:solidFill>
+          <a:ln>
+            <a:noFill/>
+          </a:ln>
+        </p:spPr>
+        <p:style>
+          <a:lnRef idx="2">
+            <a:schemeClr val="accent1">
+              <a:shade val="15000"/>
+            </a:schemeClr>
+          </a:lnRef>
+          <a:fillRef idx="1">
+            <a:schemeClr val="accent1"/>
+          </a:fillRef>
+          <a:effectRef idx="0">
+            <a:schemeClr val="accent1"/>
+          </a:effectRef>
+          <a:fontRef idx="minor">
+            <a:schemeClr val="lt1"/>
+          </a:fontRef>
+        </p:style>
+        <p:txBody>
+          <a:bodyPr rtlCol="0" anchor="ctr"/>
+          <a:lstStyle/>
+          <a:p>
+            <a:pPr algn="ctr"/>
+            <a:endParaRPr lang="en-US"/>
+          </a:p>
+        </p:txBody>
+      </p:sp>
+      <p:sp>
+        <p:nvSpPr>
+          <p:cNvPr id="45" name="Rectangle: Rounded Corners 44">
+            <a:extLst>
+              <a:ext uri="{FF2B5EF4-FFF2-40B4-BE49-F238E27FC236}">
+                <a16:creationId xmlns:a16="http://schemas.microsoft.com/office/drawing/2014/main" id="{A08BF924-AA3A-A1F5-214F-00D676FD0C47}"/>
+              </a:ext>
+            </a:extLst>
+          </p:cNvPr>
+          <p:cNvSpPr/>
+          <p:nvPr/>
+        </p:nvSpPr>
+        <p:spPr>
+          <a:xfrm>
+            <a:off x="4016620" y="9895941"/>
+            <a:ext cx="3180349" cy="1023274"/>
+          </a:xfrm>
+          <a:prstGeom prst="roundRect">
+            <a:avLst/>
+          </a:prstGeom>
+          <a:solidFill>
+            <a:schemeClr val="bg1"/>
+          </a:solidFill>
+          <a:ln>
+            <a:solidFill>
+              <a:schemeClr val="tx1"/>
+            </a:solidFill>
+          </a:ln>
+        </p:spPr>
+        <p:style>
+          <a:lnRef idx="2">
+            <a:schemeClr val="accent1">
+              <a:shade val="15000"/>
+            </a:schemeClr>
+          </a:lnRef>
+          <a:fillRef idx="1">
+            <a:schemeClr val="accent1"/>
+          </a:fillRef>
+          <a:effectRef idx="0">
+            <a:schemeClr val="accent1"/>
+          </a:effectRef>
+          <a:fontRef idx="minor">
+            <a:schemeClr val="lt1"/>
+          </a:fontRef>
+        </p:style>
+        <p:txBody>
+          <a:bodyPr rtlCol="0" anchor="ctr"/>
+          <a:lstStyle/>
+          <a:p>
+            <a:r>
+              <a:rPr lang="en-US" sz="2800" dirty="0">
+                <a:solidFill>
+                  <a:schemeClr val="tx1"/>
+                </a:solidFill>
+              </a:rPr>
+              <a:t>70 / </a:t>
+            </a:r>
+            <a:r>
+              <a:rPr lang="en-US" sz="2800" u="sng" dirty="0">
+                <a:solidFill>
+                  <a:schemeClr val="tx1"/>
+                </a:solidFill>
+              </a:rPr>
+              <a:t>46</a:t>
+            </a:r>
+          </a:p>
+          <a:p>
+            <a:r>
+              <a:rPr lang="en-US" sz="2800" dirty="0">
+                <a:solidFill>
+                  <a:schemeClr val="tx1"/>
+                </a:solidFill>
+              </a:rPr>
+              <a:t>92</a:t>
+            </a:r>
+            <a:r>
+              <a:rPr lang="en-US" sz="2800" baseline="30000" dirty="0">
+                <a:solidFill>
+                  <a:schemeClr val="tx1"/>
+                </a:solidFill>
+              </a:rPr>
+              <a:t>nd</a:t>
+            </a:r>
+            <a:r>
+              <a:rPr lang="en-US" sz="2800" dirty="0">
+                <a:solidFill>
+                  <a:schemeClr val="tx1"/>
+                </a:solidFill>
+              </a:rPr>
+              <a:t> %</a:t>
+            </a:r>
+            <a:r>
+              <a:rPr lang="en-US" sz="2800" dirty="0" err="1">
+                <a:solidFill>
+                  <a:schemeClr val="tx1"/>
+                </a:solidFill>
+              </a:rPr>
+              <a:t>ile</a:t>
+            </a:r>
+            <a:r>
+              <a:rPr lang="en-US" sz="2800" dirty="0">
+                <a:solidFill>
+                  <a:schemeClr val="tx1"/>
+                </a:solidFill>
+              </a:rPr>
+              <a:t> / </a:t>
+            </a:r>
+            <a:r>
+              <a:rPr lang="en-US" sz="2800" u="sng" dirty="0">
+                <a:solidFill>
+                  <a:schemeClr val="tx1"/>
+                </a:solidFill>
+              </a:rPr>
+              <a:t>60</a:t>
+            </a:r>
+            <a:r>
+              <a:rPr lang="en-US" sz="2800" u="sng" baseline="30000" dirty="0">
+                <a:solidFill>
+                  <a:schemeClr val="tx1"/>
+                </a:solidFill>
+              </a:rPr>
+              <a:t>th</a:t>
+            </a:r>
+            <a:r>
+              <a:rPr lang="en-US" sz="2800" dirty="0">
+                <a:solidFill>
+                  <a:schemeClr val="tx1"/>
+                </a:solidFill>
+              </a:rPr>
+              <a:t> %</a:t>
+            </a:r>
+            <a:r>
+              <a:rPr lang="en-US" sz="2800" dirty="0" err="1">
+                <a:solidFill>
+                  <a:schemeClr val="tx1"/>
+                </a:solidFill>
+              </a:rPr>
+              <a:t>ile</a:t>
+            </a:r>
+            <a:endParaRPr lang="en-US" sz="2800" dirty="0">
+              <a:solidFill>
+                <a:schemeClr val="tx1"/>
+              </a:solidFill>
+            </a:endParaRPr>
+          </a:p>
+        </p:txBody>
+      </p:sp>
+      <p:sp>
+        <p:nvSpPr>
+          <p:cNvPr id="46" name="TextBox 45">
+            <a:extLst>
+              <a:ext uri="{FF2B5EF4-FFF2-40B4-BE49-F238E27FC236}">
+                <a16:creationId xmlns:a16="http://schemas.microsoft.com/office/drawing/2014/main" id="{0F00E136-6A25-ADFF-AD64-FA506387483A}"/>
+              </a:ext>
+            </a:extLst>
+          </p:cNvPr>
+          <p:cNvSpPr txBox="1"/>
+          <p:nvPr/>
+        </p:nvSpPr>
+        <p:spPr>
+          <a:xfrm>
+            <a:off x="12272450" y="10267743"/>
+            <a:ext cx="6843252" cy="6001643"/>
+          </a:xfrm>
+          <a:prstGeom prst="rect">
+            <a:avLst/>
+          </a:prstGeom>
+          <a:noFill/>
+        </p:spPr>
+        <p:txBody>
+          <a:bodyPr wrap="square" rtlCol="0">
+            <a:spAutoFit/>
+          </a:bodyPr>
+          <a:lstStyle/>
+          <a:p>
+            <a:r>
+              <a:rPr lang="en-US" sz="4800" b="1" u="sng" dirty="0">
+                <a:solidFill>
+                  <a:schemeClr val="accent1"/>
+                </a:solidFill>
+              </a:rPr>
+              <a:t>Recommendations</a:t>
+            </a:r>
+          </a:p>
+          <a:p>
+            <a:r>
+              <a:rPr lang="en-US" sz="4800" dirty="0"/>
+              <a:t>Stage 1 hypertension diagnosis criteria: three measurements &gt;95</a:t>
+            </a:r>
+            <a:r>
+              <a:rPr lang="en-US" sz="4800" baseline="30000" dirty="0"/>
+              <a:t>th</a:t>
+            </a:r>
+            <a:r>
+              <a:rPr lang="en-US" sz="4800" dirty="0"/>
+              <a:t> percentile</a:t>
+            </a:r>
+          </a:p>
+          <a:p>
+            <a:r>
+              <a:rPr lang="en-US" sz="4800" dirty="0"/>
+              <a:t>Consider ABPM, </a:t>
+            </a:r>
+            <a:r>
+              <a:rPr lang="en-US" sz="4800" u="sng" dirty="0">
+                <a:solidFill>
+                  <a:schemeClr val="accent1"/>
+                </a:solidFill>
+              </a:rPr>
+              <a:t>diagnostic evaluation</a:t>
+            </a:r>
+            <a:r>
+              <a:rPr lang="en-US" sz="4800" dirty="0"/>
+              <a:t>, subspecialty referral</a:t>
+            </a:r>
+          </a:p>
+        </p:txBody>
+      </p:sp>
+      <p:sp>
+        <p:nvSpPr>
+          <p:cNvPr id="47" name="TextBox 46">
+            <a:extLst>
+              <a:ext uri="{FF2B5EF4-FFF2-40B4-BE49-F238E27FC236}">
+                <a16:creationId xmlns:a16="http://schemas.microsoft.com/office/drawing/2014/main" id="{96BEFEF4-A243-D6EB-1E80-7EAEF71811D3}"/>
+              </a:ext>
+            </a:extLst>
+          </p:cNvPr>
+          <p:cNvSpPr txBox="1"/>
+          <p:nvPr/>
+        </p:nvSpPr>
+        <p:spPr>
+          <a:xfrm>
+            <a:off x="4119663" y="9431736"/>
+            <a:ext cx="3319270" cy="461665"/>
+          </a:xfrm>
+          <a:prstGeom prst="rect">
+            <a:avLst/>
+          </a:prstGeom>
+          <a:noFill/>
+        </p:spPr>
+        <p:txBody>
+          <a:bodyPr wrap="square" rtlCol="0">
+            <a:spAutoFit/>
+          </a:bodyPr>
+          <a:lstStyle/>
+          <a:p>
+            <a:r>
+              <a:rPr lang="en-US" sz="2400" i="1" dirty="0"/>
+              <a:t>hover</a:t>
+            </a:r>
+          </a:p>
+        </p:txBody>
+      </p:sp>
+      <p:sp>
+        <p:nvSpPr>
+          <p:cNvPr id="48" name="TextBox 47">
+            <a:extLst>
+              <a:ext uri="{FF2B5EF4-FFF2-40B4-BE49-F238E27FC236}">
+                <a16:creationId xmlns:a16="http://schemas.microsoft.com/office/drawing/2014/main" id="{C595F975-3C5B-79AA-79DD-4E9E77FCD150}"/>
+              </a:ext>
+            </a:extLst>
+          </p:cNvPr>
+          <p:cNvSpPr txBox="1"/>
+          <p:nvPr/>
+        </p:nvSpPr>
+        <p:spPr>
+          <a:xfrm>
+            <a:off x="19964081" y="6167125"/>
+            <a:ext cx="10126212" cy="5078313"/>
+          </a:xfrm>
+          <a:prstGeom prst="rect">
+            <a:avLst/>
+          </a:prstGeom>
+          <a:noFill/>
+        </p:spPr>
+        <p:txBody>
+          <a:bodyPr wrap="square" rtlCol="0">
+            <a:spAutoFit/>
+          </a:bodyPr>
+          <a:lstStyle/>
+          <a:p>
+            <a:pPr marL="457200" indent="-457200">
+              <a:buFont typeface="Arial" panose="020B0604020202020204" pitchFamily="34" charset="0"/>
+              <a:buChar char="•"/>
+            </a:pPr>
+            <a:r>
+              <a:rPr lang="en-US" sz="5400" dirty="0"/>
+              <a:t>Hover over data point: show text bubble with associated blood pressure reading and percentiles</a:t>
+            </a:r>
+          </a:p>
+          <a:p>
+            <a:pPr marL="457200" indent="-457200">
+              <a:buFont typeface="Arial" panose="020B0604020202020204" pitchFamily="34" charset="0"/>
+              <a:buChar char="•"/>
+            </a:pPr>
+            <a:r>
+              <a:rPr lang="en-US" sz="5400" dirty="0"/>
+              <a:t>Text box to the right of the plot shows pertinent diagnostic criteria and recommendations</a:t>
+            </a:r>
+          </a:p>
+        </p:txBody>
+      </p:sp>
+      <p:sp>
+        <p:nvSpPr>
+          <p:cNvPr id="49" name="Oval 48">
+            <a:extLst>
+              <a:ext uri="{FF2B5EF4-FFF2-40B4-BE49-F238E27FC236}">
+                <a16:creationId xmlns:a16="http://schemas.microsoft.com/office/drawing/2014/main" id="{E21252DF-73B9-C97C-8449-E1505BAC1D31}"/>
+              </a:ext>
+            </a:extLst>
+          </p:cNvPr>
+          <p:cNvSpPr/>
+          <p:nvPr/>
+        </p:nvSpPr>
+        <p:spPr>
+          <a:xfrm>
+            <a:off x="12216812" y="6154364"/>
+            <a:ext cx="206477" cy="206477"/>
+          </a:xfrm>
+          <a:prstGeom prst="ellipse">
+            <a:avLst/>
+          </a:prstGeom>
+          <a:solidFill>
+            <a:schemeClr val="accent1"/>
+          </a:solidFill>
+          <a:ln>
+            <a:noFill/>
+          </a:ln>
+        </p:spPr>
+        <p:style>
+          <a:lnRef idx="2">
+            <a:schemeClr val="accent1">
+              <a:shade val="15000"/>
+            </a:schemeClr>
+          </a:lnRef>
+          <a:fillRef idx="1">
+            <a:schemeClr val="accent1"/>
+          </a:fillRef>
+          <a:effectRef idx="0">
+            <a:schemeClr val="accent1"/>
+          </a:effectRef>
+          <a:fontRef idx="minor">
+            <a:schemeClr val="lt1"/>
+          </a:fontRef>
+        </p:style>
+        <p:txBody>
+          <a:bodyPr rtlCol="0" anchor="ctr"/>
+          <a:lstStyle/>
+          <a:p>
+            <a:pPr algn="ctr"/>
+            <a:endParaRPr lang="en-US"/>
+          </a:p>
+        </p:txBody>
+      </p:sp>
+      <p:sp>
+        <p:nvSpPr>
+          <p:cNvPr id="50" name="Oval 49">
+            <a:extLst>
+              <a:ext uri="{FF2B5EF4-FFF2-40B4-BE49-F238E27FC236}">
+                <a16:creationId xmlns:a16="http://schemas.microsoft.com/office/drawing/2014/main" id="{6D41E233-F8FB-30B3-D300-7D2369229A05}"/>
+              </a:ext>
+            </a:extLst>
+          </p:cNvPr>
+          <p:cNvSpPr/>
+          <p:nvPr/>
+        </p:nvSpPr>
+        <p:spPr>
+          <a:xfrm>
+            <a:off x="12223974" y="6743489"/>
+            <a:ext cx="206477" cy="206477"/>
+          </a:xfrm>
+          <a:prstGeom prst="ellipse">
+            <a:avLst/>
+          </a:prstGeom>
+          <a:solidFill>
+            <a:schemeClr val="accent2"/>
+          </a:solidFill>
+          <a:ln>
+            <a:noFill/>
+          </a:ln>
+        </p:spPr>
+        <p:style>
+          <a:lnRef idx="2">
+            <a:schemeClr val="accent1">
+              <a:shade val="15000"/>
+            </a:schemeClr>
+          </a:lnRef>
+          <a:fillRef idx="1">
+            <a:schemeClr val="accent1"/>
+          </a:fillRef>
+          <a:effectRef idx="0">
+            <a:schemeClr val="accent1"/>
+          </a:effectRef>
+          <a:fontRef idx="minor">
+            <a:schemeClr val="lt1"/>
+          </a:fontRef>
+        </p:style>
+        <p:txBody>
+          <a:bodyPr rtlCol="0" anchor="ctr"/>
+          <a:lstStyle/>
+          <a:p>
+            <a:pPr algn="ctr"/>
+            <a:endParaRPr lang="en-US"/>
+          </a:p>
+        </p:txBody>
+      </p:sp>
+      <p:sp>
+        <p:nvSpPr>
+          <p:cNvPr id="51" name="TextBox 50">
+            <a:extLst>
+              <a:ext uri="{FF2B5EF4-FFF2-40B4-BE49-F238E27FC236}">
+                <a16:creationId xmlns:a16="http://schemas.microsoft.com/office/drawing/2014/main" id="{98DC6300-B186-92F5-83BE-65C72AAA9A74}"/>
+              </a:ext>
+            </a:extLst>
+          </p:cNvPr>
+          <p:cNvSpPr txBox="1"/>
+          <p:nvPr/>
+        </p:nvSpPr>
+        <p:spPr>
+          <a:xfrm>
+            <a:off x="12681732" y="5995992"/>
+            <a:ext cx="4955457" cy="523220"/>
+          </a:xfrm>
+          <a:prstGeom prst="rect">
+            <a:avLst/>
+          </a:prstGeom>
+          <a:noFill/>
+        </p:spPr>
+        <p:txBody>
+          <a:bodyPr wrap="square" rtlCol="0">
+            <a:spAutoFit/>
+          </a:bodyPr>
+          <a:lstStyle/>
+          <a:p>
+            <a:r>
+              <a:rPr lang="en-US" sz="2800" dirty="0"/>
+              <a:t>Systolic</a:t>
+            </a:r>
+          </a:p>
+        </p:txBody>
+      </p:sp>
+      <p:sp>
+        <p:nvSpPr>
+          <p:cNvPr id="52" name="TextBox 51">
+            <a:extLst>
+              <a:ext uri="{FF2B5EF4-FFF2-40B4-BE49-F238E27FC236}">
+                <a16:creationId xmlns:a16="http://schemas.microsoft.com/office/drawing/2014/main" id="{5B11DC90-945A-5F5E-369D-872CE1D59B58}"/>
+              </a:ext>
+            </a:extLst>
+          </p:cNvPr>
+          <p:cNvSpPr txBox="1"/>
+          <p:nvPr/>
+        </p:nvSpPr>
+        <p:spPr>
+          <a:xfrm>
+            <a:off x="12738490" y="6585117"/>
+            <a:ext cx="4955457" cy="523220"/>
+          </a:xfrm>
+          <a:prstGeom prst="rect">
+            <a:avLst/>
+          </a:prstGeom>
+          <a:noFill/>
+        </p:spPr>
+        <p:txBody>
+          <a:bodyPr wrap="square" rtlCol="0">
+            <a:spAutoFit/>
+          </a:bodyPr>
+          <a:lstStyle/>
+          <a:p>
+            <a:r>
+              <a:rPr lang="en-US" sz="2800" dirty="0"/>
+              <a:t>Diastolic</a:t>
+            </a:r>
+          </a:p>
+        </p:txBody>
+      </p:sp>
+      <p:sp>
+        <p:nvSpPr>
+          <p:cNvPr id="53" name="TextBox 52">
+            <a:extLst>
+              <a:ext uri="{FF2B5EF4-FFF2-40B4-BE49-F238E27FC236}">
+                <a16:creationId xmlns:a16="http://schemas.microsoft.com/office/drawing/2014/main" id="{0B45436D-FDDA-F86E-615F-D8AAED9DEF88}"/>
+              </a:ext>
+            </a:extLst>
+          </p:cNvPr>
+          <p:cNvSpPr txBox="1"/>
+          <p:nvPr/>
+        </p:nvSpPr>
+        <p:spPr>
+          <a:xfrm>
+            <a:off x="1053454" y="25618135"/>
+            <a:ext cx="18062247" cy="4247317"/>
+          </a:xfrm>
+          <a:prstGeom prst="rect">
+            <a:avLst/>
+          </a:prstGeom>
+          <a:noFill/>
+        </p:spPr>
+        <p:txBody>
+          <a:bodyPr wrap="square" rtlCol="0">
+            <a:spAutoFit/>
+          </a:bodyPr>
+          <a:lstStyle/>
+          <a:p>
+            <a:pPr marL="457200" indent="-457200">
+              <a:buFont typeface="Arial" panose="020B0604020202020204" pitchFamily="34" charset="0"/>
+              <a:buChar char="•"/>
+            </a:pPr>
+            <a:r>
+              <a:rPr lang="en-US" sz="5400" dirty="0"/>
+              <a:t>Legend and plot are linked so that click on a series within the legend displays only those points in the graph; clicking elsewhere displays all data points</a:t>
+            </a:r>
+          </a:p>
+          <a:p>
+            <a:pPr marL="457200" indent="-457200">
+              <a:buFont typeface="Arial" panose="020B0604020202020204" pitchFamily="34" charset="0"/>
+              <a:buChar char="•"/>
+            </a:pPr>
+            <a:r>
+              <a:rPr lang="en-US" sz="5400" dirty="0"/>
+              <a:t>Clicking on a percentile line (i.e., 90</a:t>
+            </a:r>
+            <a:r>
+              <a:rPr lang="en-US" sz="5400" baseline="30000" dirty="0"/>
+              <a:t>th</a:t>
+            </a:r>
+            <a:r>
+              <a:rPr lang="en-US" sz="5400" dirty="0"/>
+              <a:t>, 95</a:t>
+            </a:r>
+            <a:r>
+              <a:rPr lang="en-US" sz="5400" baseline="30000" dirty="0"/>
+              <a:t>th</a:t>
+            </a:r>
+            <a:r>
+              <a:rPr lang="en-US" sz="5400" dirty="0"/>
+              <a:t>, 95</a:t>
+            </a:r>
+            <a:r>
+              <a:rPr lang="en-US" sz="5400" baseline="30000" dirty="0"/>
+              <a:t>th</a:t>
+            </a:r>
+            <a:r>
+              <a:rPr lang="en-US" sz="5400" dirty="0"/>
+              <a:t> + 12) hides all points below that cutoff</a:t>
+            </a:r>
+          </a:p>
+        </p:txBody>
+      </p:sp>
+      <p:sp>
+        <p:nvSpPr>
+          <p:cNvPr id="55" name="TextBox 54">
+            <a:extLst>
+              <a:ext uri="{FF2B5EF4-FFF2-40B4-BE49-F238E27FC236}">
+                <a16:creationId xmlns:a16="http://schemas.microsoft.com/office/drawing/2014/main" id="{77172CDD-8C03-FF0B-5395-0F2C4D80D8CE}"/>
+              </a:ext>
+            </a:extLst>
+          </p:cNvPr>
+          <p:cNvSpPr txBox="1"/>
+          <p:nvPr/>
+        </p:nvSpPr>
+        <p:spPr>
+          <a:xfrm>
+            <a:off x="19964081" y="24787139"/>
+            <a:ext cx="10126212" cy="5909310"/>
+          </a:xfrm>
+          <a:prstGeom prst="rect">
+            <a:avLst/>
+          </a:prstGeom>
+          <a:noFill/>
+        </p:spPr>
+        <p:txBody>
+          <a:bodyPr wrap="square" rtlCol="0">
+            <a:spAutoFit/>
+          </a:bodyPr>
+          <a:lstStyle/>
+          <a:p>
+            <a:pPr marL="457200" indent="-457200">
+              <a:buFont typeface="Arial" panose="020B0604020202020204" pitchFamily="34" charset="0"/>
+              <a:buChar char="•"/>
+            </a:pPr>
+            <a:r>
+              <a:rPr lang="en-US" sz="5400" dirty="0"/>
+              <a:t>Use published calculator to compute percentiles for each blood pressure data point</a:t>
+            </a:r>
+          </a:p>
+          <a:p>
+            <a:pPr marL="457200" indent="-457200">
+              <a:buFont typeface="Arial" panose="020B0604020202020204" pitchFamily="34" charset="0"/>
+              <a:buChar char="•"/>
+            </a:pPr>
+            <a:r>
+              <a:rPr lang="en-US" sz="5400" dirty="0"/>
+              <a:t>Give recommendations/diagnostic criteria based on American Academy of Pediatrics guidelines</a:t>
             </a:r>
           </a:p>
         </p:txBody>
@@ -13167,7 +14976,7 @@
     </p:spTree>
     <p:extLst>
       <p:ext uri="{BB962C8B-B14F-4D97-AF65-F5344CB8AC3E}">
-        <p14:creationId xmlns:p14="http://schemas.microsoft.com/office/powerpoint/2010/main" val="2496924486"/>
+        <p14:creationId xmlns:p14="http://schemas.microsoft.com/office/powerpoint/2010/main" val="1843006469"/>
       </p:ext>
     </p:extLst>
   </p:cSld>
@@ -13196,469 +15005,105 @@
       </p:grpSpPr>
       <p:sp>
         <p:nvSpPr>
-          <p:cNvPr id="6" name="Rectangle 5">
-            <a:extLst>
-              <a:ext uri="{FF2B5EF4-FFF2-40B4-BE49-F238E27FC236}">
-                <a16:creationId xmlns:a16="http://schemas.microsoft.com/office/drawing/2014/main" id="{D37D031B-712B-8555-69A1-C90099D44F45}"/>
-              </a:ext>
-            </a:extLst>
-          </p:cNvPr>
-          <p:cNvSpPr/>
-          <p:nvPr/>
-        </p:nvSpPr>
-        <p:spPr>
-          <a:xfrm>
-            <a:off x="-1" y="1"/>
-            <a:ext cx="19740283" cy="23344094"/>
+          <p:cNvPr id="2" name="TextBox 1">
+            <a:extLst>
+              <a:ext uri="{FF2B5EF4-FFF2-40B4-BE49-F238E27FC236}">
+                <a16:creationId xmlns:a16="http://schemas.microsoft.com/office/drawing/2014/main" id="{F3B72B0E-A251-0B4A-136E-6EB232C8A6FA}"/>
+              </a:ext>
+            </a:extLst>
+          </p:cNvPr>
+          <p:cNvSpPr txBox="1"/>
+          <p:nvPr/>
+        </p:nvSpPr>
+        <p:spPr>
+          <a:xfrm>
+            <a:off x="678424" y="14836877"/>
+            <a:ext cx="28818349" cy="15050274"/>
           </a:xfrm>
           <a:prstGeom prst="rect">
             <a:avLst/>
           </a:prstGeom>
-          <a:solidFill>
-            <a:schemeClr val="bg1"/>
-          </a:solidFill>
-          <a:ln>
-            <a:solidFill>
-              <a:schemeClr val="tx1"/>
-            </a:solidFill>
-          </a:ln>
-        </p:spPr>
-        <p:style>
-          <a:lnRef idx="2">
-            <a:schemeClr val="accent1">
-              <a:shade val="15000"/>
-            </a:schemeClr>
-          </a:lnRef>
-          <a:fillRef idx="1">
-            <a:schemeClr val="accent1"/>
-          </a:fillRef>
-          <a:effectRef idx="0">
-            <a:schemeClr val="accent1"/>
-          </a:effectRef>
-          <a:fontRef idx="minor">
-            <a:schemeClr val="lt1"/>
-          </a:fontRef>
-        </p:style>
-        <p:txBody>
-          <a:bodyPr rtlCol="0" anchor="ctr"/>
-          <a:lstStyle/>
-          <a:p>
-            <a:pPr algn="ctr"/>
-            <a:endParaRPr lang="en-US" dirty="0"/>
-          </a:p>
-        </p:txBody>
-      </p:sp>
-      <p:sp>
-        <p:nvSpPr>
-          <p:cNvPr id="7" name="Rectangle 6">
-            <a:extLst>
-              <a:ext uri="{FF2B5EF4-FFF2-40B4-BE49-F238E27FC236}">
-                <a16:creationId xmlns:a16="http://schemas.microsoft.com/office/drawing/2014/main" id="{7DFF9A0F-2744-9215-D950-123ACDDCE7F6}"/>
-              </a:ext>
-            </a:extLst>
-          </p:cNvPr>
-          <p:cNvSpPr/>
-          <p:nvPr/>
-        </p:nvSpPr>
-        <p:spPr>
-          <a:xfrm>
-            <a:off x="19740282" y="-6"/>
-            <a:ext cx="10526993" cy="4328979"/>
-          </a:xfrm>
-          <a:prstGeom prst="rect">
-            <a:avLst/>
-          </a:prstGeom>
-          <a:solidFill>
-            <a:schemeClr val="bg1"/>
-          </a:solidFill>
-          <a:ln>
-            <a:solidFill>
-              <a:schemeClr val="tx1"/>
-            </a:solidFill>
-          </a:ln>
-        </p:spPr>
-        <p:style>
-          <a:lnRef idx="2">
-            <a:schemeClr val="accent1">
-              <a:shade val="15000"/>
-            </a:schemeClr>
-          </a:lnRef>
-          <a:fillRef idx="1">
-            <a:schemeClr val="accent1"/>
-          </a:fillRef>
-          <a:effectRef idx="0">
-            <a:schemeClr val="accent1"/>
-          </a:effectRef>
-          <a:fontRef idx="minor">
-            <a:schemeClr val="lt1"/>
-          </a:fontRef>
-        </p:style>
-        <p:txBody>
-          <a:bodyPr rtlCol="0" anchor="ctr"/>
-          <a:lstStyle/>
-          <a:p>
-            <a:pPr algn="ctr"/>
-            <a:endParaRPr lang="en-US"/>
-          </a:p>
-        </p:txBody>
-      </p:sp>
-      <p:sp>
-        <p:nvSpPr>
-          <p:cNvPr id="8" name="Rectangle 7">
-            <a:extLst>
-              <a:ext uri="{FF2B5EF4-FFF2-40B4-BE49-F238E27FC236}">
-                <a16:creationId xmlns:a16="http://schemas.microsoft.com/office/drawing/2014/main" id="{94D3874F-FA93-79AB-F9DB-C635320EF073}"/>
-              </a:ext>
-            </a:extLst>
-          </p:cNvPr>
-          <p:cNvSpPr/>
-          <p:nvPr/>
-        </p:nvSpPr>
-        <p:spPr>
-          <a:xfrm>
-            <a:off x="19740282" y="4328973"/>
-            <a:ext cx="10526993" cy="19015123"/>
-          </a:xfrm>
-          <a:prstGeom prst="rect">
-            <a:avLst/>
-          </a:prstGeom>
-          <a:solidFill>
-            <a:schemeClr val="bg1"/>
-          </a:solidFill>
-          <a:ln>
-            <a:solidFill>
-              <a:schemeClr val="tx1"/>
-            </a:solidFill>
-          </a:ln>
-        </p:spPr>
-        <p:style>
-          <a:lnRef idx="2">
-            <a:schemeClr val="accent1">
-              <a:shade val="15000"/>
-            </a:schemeClr>
-          </a:lnRef>
-          <a:fillRef idx="1">
-            <a:schemeClr val="accent1"/>
-          </a:fillRef>
-          <a:effectRef idx="0">
-            <a:schemeClr val="accent1"/>
-          </a:effectRef>
-          <a:fontRef idx="minor">
-            <a:schemeClr val="lt1"/>
-          </a:fontRef>
-        </p:style>
-        <p:txBody>
-          <a:bodyPr rtlCol="0" anchor="ctr"/>
-          <a:lstStyle/>
-          <a:p>
-            <a:pPr algn="ctr"/>
-            <a:endParaRPr lang="en-US"/>
-          </a:p>
-        </p:txBody>
-      </p:sp>
-      <p:sp>
-        <p:nvSpPr>
-          <p:cNvPr id="9" name="Rectangle 8">
-            <a:extLst>
-              <a:ext uri="{FF2B5EF4-FFF2-40B4-BE49-F238E27FC236}">
-                <a16:creationId xmlns:a16="http://schemas.microsoft.com/office/drawing/2014/main" id="{109032FB-4075-9B42-B4F2-072ECA0F0362}"/>
-              </a:ext>
-            </a:extLst>
-          </p:cNvPr>
-          <p:cNvSpPr/>
-          <p:nvPr/>
-        </p:nvSpPr>
-        <p:spPr>
-          <a:xfrm>
-            <a:off x="0" y="23344095"/>
-            <a:ext cx="19740282" cy="19450143"/>
-          </a:xfrm>
-          <a:prstGeom prst="rect">
-            <a:avLst/>
-          </a:prstGeom>
-          <a:solidFill>
-            <a:schemeClr val="bg1"/>
-          </a:solidFill>
-          <a:ln>
-            <a:solidFill>
-              <a:schemeClr val="tx1"/>
-            </a:solidFill>
-          </a:ln>
-        </p:spPr>
-        <p:style>
-          <a:lnRef idx="2">
-            <a:schemeClr val="accent1">
-              <a:shade val="15000"/>
-            </a:schemeClr>
-          </a:lnRef>
-          <a:fillRef idx="1">
-            <a:schemeClr val="accent1"/>
-          </a:fillRef>
-          <a:effectRef idx="0">
-            <a:schemeClr val="accent1"/>
-          </a:effectRef>
-          <a:fontRef idx="minor">
-            <a:schemeClr val="lt1"/>
-          </a:fontRef>
-        </p:style>
-        <p:txBody>
-          <a:bodyPr rtlCol="0" anchor="ctr"/>
-          <a:lstStyle/>
-          <a:p>
-            <a:pPr algn="ctr"/>
-            <a:endParaRPr lang="en-US"/>
-          </a:p>
-        </p:txBody>
-      </p:sp>
-      <p:sp>
-        <p:nvSpPr>
-          <p:cNvPr id="10" name="Rectangle 9">
-            <a:extLst>
-              <a:ext uri="{FF2B5EF4-FFF2-40B4-BE49-F238E27FC236}">
-                <a16:creationId xmlns:a16="http://schemas.microsoft.com/office/drawing/2014/main" id="{69BD9FEC-FE72-0883-46E7-513BA13EE7DE}"/>
-              </a:ext>
-            </a:extLst>
-          </p:cNvPr>
-          <p:cNvSpPr/>
-          <p:nvPr/>
-        </p:nvSpPr>
-        <p:spPr>
-          <a:xfrm>
-            <a:off x="19740282" y="23344095"/>
-            <a:ext cx="10526993" cy="19450143"/>
-          </a:xfrm>
-          <a:prstGeom prst="rect">
-            <a:avLst/>
-          </a:prstGeom>
-          <a:solidFill>
-            <a:schemeClr val="bg1"/>
-          </a:solidFill>
-          <a:ln>
-            <a:solidFill>
-              <a:schemeClr val="tx1"/>
-            </a:solidFill>
-          </a:ln>
-        </p:spPr>
-        <p:style>
-          <a:lnRef idx="2">
-            <a:schemeClr val="accent1">
-              <a:shade val="15000"/>
-            </a:schemeClr>
-          </a:lnRef>
-          <a:fillRef idx="1">
-            <a:schemeClr val="accent1"/>
-          </a:fillRef>
-          <a:effectRef idx="0">
-            <a:schemeClr val="accent1"/>
-          </a:effectRef>
-          <a:fontRef idx="minor">
-            <a:schemeClr val="lt1"/>
-          </a:fontRef>
-        </p:style>
-        <p:txBody>
-          <a:bodyPr rtlCol="0" anchor="ctr"/>
-          <a:lstStyle/>
-          <a:p>
-            <a:pPr algn="ctr"/>
-            <a:endParaRPr lang="en-US"/>
-          </a:p>
-        </p:txBody>
-      </p:sp>
-      <p:sp>
-        <p:nvSpPr>
-          <p:cNvPr id="2" name="TextBox 1">
-            <a:extLst>
-              <a:ext uri="{FF2B5EF4-FFF2-40B4-BE49-F238E27FC236}">
-                <a16:creationId xmlns:a16="http://schemas.microsoft.com/office/drawing/2014/main" id="{609B130C-C739-BA0E-1D5D-1293E24E81AF}"/>
-              </a:ext>
-            </a:extLst>
-          </p:cNvPr>
-          <p:cNvSpPr txBox="1"/>
-          <p:nvPr/>
-        </p:nvSpPr>
-        <p:spPr>
-          <a:xfrm>
-            <a:off x="0" y="0"/>
-            <a:ext cx="2965235" cy="1323439"/>
-          </a:xfrm>
-          <a:prstGeom prst="rect">
-            <a:avLst/>
-          </a:prstGeom>
           <a:noFill/>
         </p:spPr>
         <p:txBody>
-          <a:bodyPr wrap="none" rtlCol="0">
+          <a:bodyPr wrap="square" rtlCol="0">
             <a:spAutoFit/>
           </a:bodyPr>
           <a:lstStyle/>
           <a:p>
-            <a:r>
-              <a:rPr lang="en-US" sz="8000" dirty="0"/>
-              <a:t>Layout</a:t>
-            </a:r>
-          </a:p>
-        </p:txBody>
-      </p:sp>
-      <p:sp>
-        <p:nvSpPr>
-          <p:cNvPr id="3" name="TextBox 2">
-            <a:extLst>
-              <a:ext uri="{FF2B5EF4-FFF2-40B4-BE49-F238E27FC236}">
-                <a16:creationId xmlns:a16="http://schemas.microsoft.com/office/drawing/2014/main" id="{D9037737-5569-0B59-0BC1-8A21A196D2FB}"/>
-              </a:ext>
-            </a:extLst>
-          </p:cNvPr>
-          <p:cNvSpPr txBox="1"/>
-          <p:nvPr/>
-        </p:nvSpPr>
-        <p:spPr>
-          <a:xfrm>
-            <a:off x="19740282" y="81656"/>
-            <a:ext cx="2496196" cy="4247317"/>
-          </a:xfrm>
-          <a:prstGeom prst="rect">
-            <a:avLst/>
-          </a:prstGeom>
-          <a:noFill/>
-        </p:spPr>
-        <p:txBody>
-          <a:bodyPr wrap="none" rtlCol="0">
-            <a:spAutoFit/>
-          </a:bodyPr>
-          <a:lstStyle/>
-          <a:p>
+            <a:endParaRPr lang="en-US" sz="5400" dirty="0"/>
+          </a:p>
+          <a:p>
+            <a:r>
+              <a:rPr lang="en-US" sz="5400" b="1" dirty="0"/>
+              <a:t>Describe potential visualization challenges.</a:t>
+            </a:r>
+          </a:p>
+          <a:p>
+            <a:pPr marL="685800" indent="-685800">
+              <a:buFont typeface="Arial" panose="020B0604020202020204" pitchFamily="34" charset="0"/>
+              <a:buChar char="•"/>
+            </a:pPr>
             <a:r>
               <a:rPr lang="en-US" sz="5400" dirty="0"/>
-              <a:t>Title: </a:t>
-            </a:r>
-          </a:p>
-          <a:p>
+              <a:t>Overlapping data points may be an issues depending on how frequently patients have their vitals measured and documented (but this won’t be an issue with the NHANES data we’re using for proof of concept in this project).</a:t>
+            </a:r>
+          </a:p>
+          <a:p>
+            <a:pPr marL="685800" indent="-685800">
+              <a:buFont typeface="Arial" panose="020B0604020202020204" pitchFamily="34" charset="0"/>
+              <a:buChar char="•"/>
+            </a:pPr>
             <a:r>
               <a:rPr lang="en-US" sz="5400" dirty="0"/>
-              <a:t>Author: </a:t>
-            </a:r>
-          </a:p>
-          <a:p>
+              <a:t>There are different cutoffs/diagnostic criteria for people &lt;13 years old and &gt;= 13 years old, so we will need to design a way to transition smoothly between two different </a:t>
+            </a:r>
+            <a:r>
+              <a:rPr lang="en-US" sz="5400" i="1" dirty="0"/>
+              <a:t>y</a:t>
+            </a:r>
             <a:r>
               <a:rPr lang="en-US" sz="5400" dirty="0"/>
-              <a:t>Date: </a:t>
-            </a:r>
-          </a:p>
-          <a:p>
+              <a:t> axes.</a:t>
+            </a:r>
+          </a:p>
+          <a:p>
+            <a:endParaRPr lang="en-US" sz="5400" dirty="0"/>
+          </a:p>
+          <a:p>
+            <a:r>
+              <a:rPr lang="en-US" sz="5400" b="1" dirty="0"/>
+              <a:t>Write two or three short paragraphs describing how you are planning to implement your application and how different components of your visualization will be interacting with each other. Note that your design may go beyond what you will actually be able to implement in your </a:t>
+            </a:r>
+            <a:r>
+              <a:rPr lang="en-US" sz="5400" b="1" dirty="0" err="1"/>
+              <a:t>Streamlit</a:t>
+            </a:r>
+            <a:r>
+              <a:rPr lang="en-US" sz="5400" b="1" dirty="0"/>
+              <a:t> app. </a:t>
+            </a:r>
+          </a:p>
+          <a:p>
+            <a:pPr indent="914400"/>
             <a:r>
               <a:rPr lang="en-US" sz="5400" dirty="0"/>
-              <a:t>Sheet: 3</a:t>
-            </a:r>
-          </a:p>
-          <a:p>
+              <a:t>Ideally, this application would integrate into the EHR with FHIR, but we won’t be doing that in this project. Here, we will be implementing it as a standalone app that imports data from the NHANES data set with an option to also manually enter data.</a:t>
+            </a:r>
+          </a:p>
+          <a:p>
+            <a:pPr indent="914400"/>
             <a:r>
               <a:rPr lang="en-US" sz="5400" dirty="0"/>
-              <a:t>Task: </a:t>
-            </a:r>
-          </a:p>
-        </p:txBody>
-      </p:sp>
-      <p:sp>
-        <p:nvSpPr>
-          <p:cNvPr id="4" name="TextBox 3">
-            <a:extLst>
-              <a:ext uri="{FF2B5EF4-FFF2-40B4-BE49-F238E27FC236}">
-                <a16:creationId xmlns:a16="http://schemas.microsoft.com/office/drawing/2014/main" id="{FF891FC2-DB32-E8CF-28B5-0CC6355B0401}"/>
-              </a:ext>
-            </a:extLst>
-          </p:cNvPr>
-          <p:cNvSpPr txBox="1"/>
-          <p:nvPr/>
-        </p:nvSpPr>
-        <p:spPr>
-          <a:xfrm>
-            <a:off x="19740282" y="4328972"/>
-            <a:ext cx="4791633" cy="1323439"/>
-          </a:xfrm>
-          <a:prstGeom prst="rect">
-            <a:avLst/>
-          </a:prstGeom>
-          <a:noFill/>
-        </p:spPr>
-        <p:txBody>
-          <a:bodyPr wrap="none" rtlCol="0">
-            <a:spAutoFit/>
-          </a:bodyPr>
-          <a:lstStyle/>
-          <a:p>
-            <a:r>
-              <a:rPr lang="en-US" sz="8000" dirty="0"/>
-              <a:t>Operations</a:t>
-            </a:r>
-          </a:p>
-        </p:txBody>
-      </p:sp>
-      <p:sp>
-        <p:nvSpPr>
-          <p:cNvPr id="11" name="TextBox 10">
-            <a:extLst>
-              <a:ext uri="{FF2B5EF4-FFF2-40B4-BE49-F238E27FC236}">
-                <a16:creationId xmlns:a16="http://schemas.microsoft.com/office/drawing/2014/main" id="{8FA2E0BD-0009-04E4-3B2F-1202DBA085D5}"/>
-              </a:ext>
-            </a:extLst>
-          </p:cNvPr>
-          <p:cNvSpPr txBox="1"/>
-          <p:nvPr/>
-        </p:nvSpPr>
-        <p:spPr>
-          <a:xfrm>
-            <a:off x="61557" y="23344094"/>
-            <a:ext cx="2557495" cy="1323439"/>
-          </a:xfrm>
-          <a:prstGeom prst="rect">
-            <a:avLst/>
-          </a:prstGeom>
-          <a:noFill/>
-        </p:spPr>
-        <p:txBody>
-          <a:bodyPr wrap="none" rtlCol="0">
-            <a:spAutoFit/>
-          </a:bodyPr>
-          <a:lstStyle/>
-          <a:p>
-            <a:r>
-              <a:rPr lang="en-US" sz="8000" dirty="0"/>
-              <a:t>Focus</a:t>
-            </a:r>
-          </a:p>
-        </p:txBody>
-      </p:sp>
-      <p:sp>
-        <p:nvSpPr>
-          <p:cNvPr id="12" name="TextBox 11">
-            <a:extLst>
-              <a:ext uri="{FF2B5EF4-FFF2-40B4-BE49-F238E27FC236}">
-                <a16:creationId xmlns:a16="http://schemas.microsoft.com/office/drawing/2014/main" id="{019FA619-E387-4CF9-3CD6-BDBFC0295797}"/>
-              </a:ext>
-            </a:extLst>
-          </p:cNvPr>
-          <p:cNvSpPr txBox="1"/>
-          <p:nvPr/>
-        </p:nvSpPr>
-        <p:spPr>
-          <a:xfrm>
-            <a:off x="19740282" y="23344093"/>
-            <a:ext cx="4543231" cy="1323439"/>
-          </a:xfrm>
-          <a:prstGeom prst="rect">
-            <a:avLst/>
-          </a:prstGeom>
-          <a:noFill/>
-        </p:spPr>
-        <p:txBody>
-          <a:bodyPr wrap="none" rtlCol="0">
-            <a:spAutoFit/>
-          </a:bodyPr>
-          <a:lstStyle/>
-          <a:p>
-            <a:r>
-              <a:rPr lang="en-US" sz="8000" dirty="0"/>
-              <a:t>Discussion</a:t>
+              <a:t>The data will be used to calculate percentiles for the blood pressures (which are dependent on age, sex, and height) and plotted. </a:t>
+            </a:r>
+            <a:r>
+              <a:rPr lang="en-US" sz="5400"/>
+              <a:t>The app will </a:t>
+            </a:r>
+            <a:r>
+              <a:rPr lang="en-US" sz="5400" dirty="0"/>
+              <a:t>also match up the data points to the most appropriate diagnosis and diagnostic/treatment recommendations. This will then display in a text box to the right of the plot, so that the clinician user can act on the data.</a:t>
             </a:r>
           </a:p>
         </p:txBody>
@@ -13666,1005 +15111,7 @@
     </p:spTree>
     <p:extLst>
       <p:ext uri="{BB962C8B-B14F-4D97-AF65-F5344CB8AC3E}">
-        <p14:creationId xmlns:p14="http://schemas.microsoft.com/office/powerpoint/2010/main" val="2999922019"/>
-      </p:ext>
-    </p:extLst>
-  </p:cSld>
-  <p:clrMapOvr>
-    <a:masterClrMapping/>
-  </p:clrMapOvr>
-</p:sld>
-</file>
-
-<file path=ppt/slides/slide4.xml><?xml version="1.0" encoding="utf-8"?>
-<p:sld xmlns:a="http://schemas.openxmlformats.org/drawingml/2006/main" xmlns:r="http://schemas.openxmlformats.org/officeDocument/2006/relationships" xmlns:p="http://schemas.openxmlformats.org/presentationml/2006/main">
-  <p:cSld>
-    <p:spTree>
-      <p:nvGrpSpPr>
-        <p:cNvPr id="1" name=""/>
-        <p:cNvGrpSpPr/>
-        <p:nvPr/>
-      </p:nvGrpSpPr>
-      <p:grpSpPr>
-        <a:xfrm>
-          <a:off x="0" y="0"/>
-          <a:ext cx="0" cy="0"/>
-          <a:chOff x="0" y="0"/>
-          <a:chExt cx="0" cy="0"/>
-        </a:xfrm>
-      </p:grpSpPr>
-      <p:sp>
-        <p:nvSpPr>
-          <p:cNvPr id="6" name="Rectangle 5">
-            <a:extLst>
-              <a:ext uri="{FF2B5EF4-FFF2-40B4-BE49-F238E27FC236}">
-                <a16:creationId xmlns:a16="http://schemas.microsoft.com/office/drawing/2014/main" id="{D37D031B-712B-8555-69A1-C90099D44F45}"/>
-              </a:ext>
-            </a:extLst>
-          </p:cNvPr>
-          <p:cNvSpPr/>
-          <p:nvPr/>
-        </p:nvSpPr>
-        <p:spPr>
-          <a:xfrm>
-            <a:off x="-1" y="1"/>
-            <a:ext cx="19740283" cy="23344094"/>
-          </a:xfrm>
-          <a:prstGeom prst="rect">
-            <a:avLst/>
-          </a:prstGeom>
-          <a:solidFill>
-            <a:schemeClr val="bg1"/>
-          </a:solidFill>
-          <a:ln>
-            <a:solidFill>
-              <a:schemeClr val="tx1"/>
-            </a:solidFill>
-          </a:ln>
-        </p:spPr>
-        <p:style>
-          <a:lnRef idx="2">
-            <a:schemeClr val="accent1">
-              <a:shade val="15000"/>
-            </a:schemeClr>
-          </a:lnRef>
-          <a:fillRef idx="1">
-            <a:schemeClr val="accent1"/>
-          </a:fillRef>
-          <a:effectRef idx="0">
-            <a:schemeClr val="accent1"/>
-          </a:effectRef>
-          <a:fontRef idx="minor">
-            <a:schemeClr val="lt1"/>
-          </a:fontRef>
-        </p:style>
-        <p:txBody>
-          <a:bodyPr rtlCol="0" anchor="ctr"/>
-          <a:lstStyle/>
-          <a:p>
-            <a:pPr algn="ctr"/>
-            <a:endParaRPr lang="en-US" dirty="0"/>
-          </a:p>
-        </p:txBody>
-      </p:sp>
-      <p:sp>
-        <p:nvSpPr>
-          <p:cNvPr id="7" name="Rectangle 6">
-            <a:extLst>
-              <a:ext uri="{FF2B5EF4-FFF2-40B4-BE49-F238E27FC236}">
-                <a16:creationId xmlns:a16="http://schemas.microsoft.com/office/drawing/2014/main" id="{7DFF9A0F-2744-9215-D950-123ACDDCE7F6}"/>
-              </a:ext>
-            </a:extLst>
-          </p:cNvPr>
-          <p:cNvSpPr/>
-          <p:nvPr/>
-        </p:nvSpPr>
-        <p:spPr>
-          <a:xfrm>
-            <a:off x="19740282" y="-6"/>
-            <a:ext cx="10526993" cy="4328979"/>
-          </a:xfrm>
-          <a:prstGeom prst="rect">
-            <a:avLst/>
-          </a:prstGeom>
-          <a:solidFill>
-            <a:schemeClr val="bg1"/>
-          </a:solidFill>
-          <a:ln>
-            <a:solidFill>
-              <a:schemeClr val="tx1"/>
-            </a:solidFill>
-          </a:ln>
-        </p:spPr>
-        <p:style>
-          <a:lnRef idx="2">
-            <a:schemeClr val="accent1">
-              <a:shade val="15000"/>
-            </a:schemeClr>
-          </a:lnRef>
-          <a:fillRef idx="1">
-            <a:schemeClr val="accent1"/>
-          </a:fillRef>
-          <a:effectRef idx="0">
-            <a:schemeClr val="accent1"/>
-          </a:effectRef>
-          <a:fontRef idx="minor">
-            <a:schemeClr val="lt1"/>
-          </a:fontRef>
-        </p:style>
-        <p:txBody>
-          <a:bodyPr rtlCol="0" anchor="ctr"/>
-          <a:lstStyle/>
-          <a:p>
-            <a:pPr algn="ctr"/>
-            <a:endParaRPr lang="en-US"/>
-          </a:p>
-        </p:txBody>
-      </p:sp>
-      <p:sp>
-        <p:nvSpPr>
-          <p:cNvPr id="8" name="Rectangle 7">
-            <a:extLst>
-              <a:ext uri="{FF2B5EF4-FFF2-40B4-BE49-F238E27FC236}">
-                <a16:creationId xmlns:a16="http://schemas.microsoft.com/office/drawing/2014/main" id="{94D3874F-FA93-79AB-F9DB-C635320EF073}"/>
-              </a:ext>
-            </a:extLst>
-          </p:cNvPr>
-          <p:cNvSpPr/>
-          <p:nvPr/>
-        </p:nvSpPr>
-        <p:spPr>
-          <a:xfrm>
-            <a:off x="19740282" y="4328973"/>
-            <a:ext cx="10526993" cy="19015123"/>
-          </a:xfrm>
-          <a:prstGeom prst="rect">
-            <a:avLst/>
-          </a:prstGeom>
-          <a:solidFill>
-            <a:schemeClr val="bg1"/>
-          </a:solidFill>
-          <a:ln>
-            <a:solidFill>
-              <a:schemeClr val="tx1"/>
-            </a:solidFill>
-          </a:ln>
-        </p:spPr>
-        <p:style>
-          <a:lnRef idx="2">
-            <a:schemeClr val="accent1">
-              <a:shade val="15000"/>
-            </a:schemeClr>
-          </a:lnRef>
-          <a:fillRef idx="1">
-            <a:schemeClr val="accent1"/>
-          </a:fillRef>
-          <a:effectRef idx="0">
-            <a:schemeClr val="accent1"/>
-          </a:effectRef>
-          <a:fontRef idx="minor">
-            <a:schemeClr val="lt1"/>
-          </a:fontRef>
-        </p:style>
-        <p:txBody>
-          <a:bodyPr rtlCol="0" anchor="ctr"/>
-          <a:lstStyle/>
-          <a:p>
-            <a:pPr algn="ctr"/>
-            <a:endParaRPr lang="en-US"/>
-          </a:p>
-        </p:txBody>
-      </p:sp>
-      <p:sp>
-        <p:nvSpPr>
-          <p:cNvPr id="9" name="Rectangle 8">
-            <a:extLst>
-              <a:ext uri="{FF2B5EF4-FFF2-40B4-BE49-F238E27FC236}">
-                <a16:creationId xmlns:a16="http://schemas.microsoft.com/office/drawing/2014/main" id="{109032FB-4075-9B42-B4F2-072ECA0F0362}"/>
-              </a:ext>
-            </a:extLst>
-          </p:cNvPr>
-          <p:cNvSpPr/>
-          <p:nvPr/>
-        </p:nvSpPr>
-        <p:spPr>
-          <a:xfrm>
-            <a:off x="0" y="23344095"/>
-            <a:ext cx="19740282" cy="19450143"/>
-          </a:xfrm>
-          <a:prstGeom prst="rect">
-            <a:avLst/>
-          </a:prstGeom>
-          <a:solidFill>
-            <a:schemeClr val="bg1"/>
-          </a:solidFill>
-          <a:ln>
-            <a:solidFill>
-              <a:schemeClr val="tx1"/>
-            </a:solidFill>
-          </a:ln>
-        </p:spPr>
-        <p:style>
-          <a:lnRef idx="2">
-            <a:schemeClr val="accent1">
-              <a:shade val="15000"/>
-            </a:schemeClr>
-          </a:lnRef>
-          <a:fillRef idx="1">
-            <a:schemeClr val="accent1"/>
-          </a:fillRef>
-          <a:effectRef idx="0">
-            <a:schemeClr val="accent1"/>
-          </a:effectRef>
-          <a:fontRef idx="minor">
-            <a:schemeClr val="lt1"/>
-          </a:fontRef>
-        </p:style>
-        <p:txBody>
-          <a:bodyPr rtlCol="0" anchor="ctr"/>
-          <a:lstStyle/>
-          <a:p>
-            <a:pPr algn="ctr"/>
-            <a:endParaRPr lang="en-US"/>
-          </a:p>
-        </p:txBody>
-      </p:sp>
-      <p:sp>
-        <p:nvSpPr>
-          <p:cNvPr id="10" name="Rectangle 9">
-            <a:extLst>
-              <a:ext uri="{FF2B5EF4-FFF2-40B4-BE49-F238E27FC236}">
-                <a16:creationId xmlns:a16="http://schemas.microsoft.com/office/drawing/2014/main" id="{69BD9FEC-FE72-0883-46E7-513BA13EE7DE}"/>
-              </a:ext>
-            </a:extLst>
-          </p:cNvPr>
-          <p:cNvSpPr/>
-          <p:nvPr/>
-        </p:nvSpPr>
-        <p:spPr>
-          <a:xfrm>
-            <a:off x="19740282" y="23344095"/>
-            <a:ext cx="10526993" cy="19450143"/>
-          </a:xfrm>
-          <a:prstGeom prst="rect">
-            <a:avLst/>
-          </a:prstGeom>
-          <a:solidFill>
-            <a:schemeClr val="bg1"/>
-          </a:solidFill>
-          <a:ln>
-            <a:solidFill>
-              <a:schemeClr val="tx1"/>
-            </a:solidFill>
-          </a:ln>
-        </p:spPr>
-        <p:style>
-          <a:lnRef idx="2">
-            <a:schemeClr val="accent1">
-              <a:shade val="15000"/>
-            </a:schemeClr>
-          </a:lnRef>
-          <a:fillRef idx="1">
-            <a:schemeClr val="accent1"/>
-          </a:fillRef>
-          <a:effectRef idx="0">
-            <a:schemeClr val="accent1"/>
-          </a:effectRef>
-          <a:fontRef idx="minor">
-            <a:schemeClr val="lt1"/>
-          </a:fontRef>
-        </p:style>
-        <p:txBody>
-          <a:bodyPr rtlCol="0" anchor="ctr"/>
-          <a:lstStyle/>
-          <a:p>
-            <a:pPr algn="ctr"/>
-            <a:endParaRPr lang="en-US"/>
-          </a:p>
-        </p:txBody>
-      </p:sp>
-      <p:sp>
-        <p:nvSpPr>
-          <p:cNvPr id="2" name="TextBox 1">
-            <a:extLst>
-              <a:ext uri="{FF2B5EF4-FFF2-40B4-BE49-F238E27FC236}">
-                <a16:creationId xmlns:a16="http://schemas.microsoft.com/office/drawing/2014/main" id="{609B130C-C739-BA0E-1D5D-1293E24E81AF}"/>
-              </a:ext>
-            </a:extLst>
-          </p:cNvPr>
-          <p:cNvSpPr txBox="1"/>
-          <p:nvPr/>
-        </p:nvSpPr>
-        <p:spPr>
-          <a:xfrm>
-            <a:off x="0" y="0"/>
-            <a:ext cx="2965235" cy="1323439"/>
-          </a:xfrm>
-          <a:prstGeom prst="rect">
-            <a:avLst/>
-          </a:prstGeom>
-          <a:noFill/>
-        </p:spPr>
-        <p:txBody>
-          <a:bodyPr wrap="none" rtlCol="0">
-            <a:spAutoFit/>
-          </a:bodyPr>
-          <a:lstStyle/>
-          <a:p>
-            <a:r>
-              <a:rPr lang="en-US" sz="8000" dirty="0"/>
-              <a:t>Layout</a:t>
-            </a:r>
-          </a:p>
-        </p:txBody>
-      </p:sp>
-      <p:sp>
-        <p:nvSpPr>
-          <p:cNvPr id="3" name="TextBox 2">
-            <a:extLst>
-              <a:ext uri="{FF2B5EF4-FFF2-40B4-BE49-F238E27FC236}">
-                <a16:creationId xmlns:a16="http://schemas.microsoft.com/office/drawing/2014/main" id="{D9037737-5569-0B59-0BC1-8A21A196D2FB}"/>
-              </a:ext>
-            </a:extLst>
-          </p:cNvPr>
-          <p:cNvSpPr txBox="1"/>
-          <p:nvPr/>
-        </p:nvSpPr>
-        <p:spPr>
-          <a:xfrm>
-            <a:off x="19740282" y="81656"/>
-            <a:ext cx="2496196" cy="4247317"/>
-          </a:xfrm>
-          <a:prstGeom prst="rect">
-            <a:avLst/>
-          </a:prstGeom>
-          <a:noFill/>
-        </p:spPr>
-        <p:txBody>
-          <a:bodyPr wrap="none" rtlCol="0">
-            <a:spAutoFit/>
-          </a:bodyPr>
-          <a:lstStyle/>
-          <a:p>
-            <a:r>
-              <a:rPr lang="en-US" sz="5400" dirty="0"/>
-              <a:t>Title: </a:t>
-            </a:r>
-          </a:p>
-          <a:p>
-            <a:r>
-              <a:rPr lang="en-US" sz="5400" dirty="0"/>
-              <a:t>Author: </a:t>
-            </a:r>
-          </a:p>
-          <a:p>
-            <a:r>
-              <a:rPr lang="en-US" sz="5400" dirty="0"/>
-              <a:t>Date: </a:t>
-            </a:r>
-          </a:p>
-          <a:p>
-            <a:r>
-              <a:rPr lang="en-US" sz="5400" dirty="0"/>
-              <a:t>Sheet: 4</a:t>
-            </a:r>
-          </a:p>
-          <a:p>
-            <a:r>
-              <a:rPr lang="en-US" sz="5400" dirty="0"/>
-              <a:t>Task: </a:t>
-            </a:r>
-          </a:p>
-        </p:txBody>
-      </p:sp>
-      <p:sp>
-        <p:nvSpPr>
-          <p:cNvPr id="4" name="TextBox 3">
-            <a:extLst>
-              <a:ext uri="{FF2B5EF4-FFF2-40B4-BE49-F238E27FC236}">
-                <a16:creationId xmlns:a16="http://schemas.microsoft.com/office/drawing/2014/main" id="{FF891FC2-DB32-E8CF-28B5-0CC6355B0401}"/>
-              </a:ext>
-            </a:extLst>
-          </p:cNvPr>
-          <p:cNvSpPr txBox="1"/>
-          <p:nvPr/>
-        </p:nvSpPr>
-        <p:spPr>
-          <a:xfrm>
-            <a:off x="19740282" y="4328972"/>
-            <a:ext cx="4791633" cy="1323439"/>
-          </a:xfrm>
-          <a:prstGeom prst="rect">
-            <a:avLst/>
-          </a:prstGeom>
-          <a:noFill/>
-        </p:spPr>
-        <p:txBody>
-          <a:bodyPr wrap="none" rtlCol="0">
-            <a:spAutoFit/>
-          </a:bodyPr>
-          <a:lstStyle/>
-          <a:p>
-            <a:r>
-              <a:rPr lang="en-US" sz="8000" dirty="0"/>
-              <a:t>Operations</a:t>
-            </a:r>
-          </a:p>
-        </p:txBody>
-      </p:sp>
-      <p:sp>
-        <p:nvSpPr>
-          <p:cNvPr id="11" name="TextBox 10">
-            <a:extLst>
-              <a:ext uri="{FF2B5EF4-FFF2-40B4-BE49-F238E27FC236}">
-                <a16:creationId xmlns:a16="http://schemas.microsoft.com/office/drawing/2014/main" id="{8FA2E0BD-0009-04E4-3B2F-1202DBA085D5}"/>
-              </a:ext>
-            </a:extLst>
-          </p:cNvPr>
-          <p:cNvSpPr txBox="1"/>
-          <p:nvPr/>
-        </p:nvSpPr>
-        <p:spPr>
-          <a:xfrm>
-            <a:off x="61557" y="23344094"/>
-            <a:ext cx="2557495" cy="1323439"/>
-          </a:xfrm>
-          <a:prstGeom prst="rect">
-            <a:avLst/>
-          </a:prstGeom>
-          <a:noFill/>
-        </p:spPr>
-        <p:txBody>
-          <a:bodyPr wrap="none" rtlCol="0">
-            <a:spAutoFit/>
-          </a:bodyPr>
-          <a:lstStyle/>
-          <a:p>
-            <a:r>
-              <a:rPr lang="en-US" sz="8000" dirty="0"/>
-              <a:t>Focus</a:t>
-            </a:r>
-          </a:p>
-        </p:txBody>
-      </p:sp>
-      <p:sp>
-        <p:nvSpPr>
-          <p:cNvPr id="12" name="TextBox 11">
-            <a:extLst>
-              <a:ext uri="{FF2B5EF4-FFF2-40B4-BE49-F238E27FC236}">
-                <a16:creationId xmlns:a16="http://schemas.microsoft.com/office/drawing/2014/main" id="{019FA619-E387-4CF9-3CD6-BDBFC0295797}"/>
-              </a:ext>
-            </a:extLst>
-          </p:cNvPr>
-          <p:cNvSpPr txBox="1"/>
-          <p:nvPr/>
-        </p:nvSpPr>
-        <p:spPr>
-          <a:xfrm>
-            <a:off x="19740282" y="23344093"/>
-            <a:ext cx="4543231" cy="1323439"/>
-          </a:xfrm>
-          <a:prstGeom prst="rect">
-            <a:avLst/>
-          </a:prstGeom>
-          <a:noFill/>
-        </p:spPr>
-        <p:txBody>
-          <a:bodyPr wrap="none" rtlCol="0">
-            <a:spAutoFit/>
-          </a:bodyPr>
-          <a:lstStyle/>
-          <a:p>
-            <a:r>
-              <a:rPr lang="en-US" sz="8000" dirty="0"/>
-              <a:t>Discussion</a:t>
-            </a:r>
-          </a:p>
-        </p:txBody>
-      </p:sp>
-    </p:spTree>
-    <p:extLst>
-      <p:ext uri="{BB962C8B-B14F-4D97-AF65-F5344CB8AC3E}">
-        <p14:creationId xmlns:p14="http://schemas.microsoft.com/office/powerpoint/2010/main" val="3555419933"/>
-      </p:ext>
-    </p:extLst>
-  </p:cSld>
-  <p:clrMapOvr>
-    <a:masterClrMapping/>
-  </p:clrMapOvr>
-</p:sld>
-</file>
-
-<file path=ppt/slides/slide5.xml><?xml version="1.0" encoding="utf-8"?>
-<p:sld xmlns:a="http://schemas.openxmlformats.org/drawingml/2006/main" xmlns:r="http://schemas.openxmlformats.org/officeDocument/2006/relationships" xmlns:p="http://schemas.openxmlformats.org/presentationml/2006/main">
-  <p:cSld>
-    <p:spTree>
-      <p:nvGrpSpPr>
-        <p:cNvPr id="1" name=""/>
-        <p:cNvGrpSpPr/>
-        <p:nvPr/>
-      </p:nvGrpSpPr>
-      <p:grpSpPr>
-        <a:xfrm>
-          <a:off x="0" y="0"/>
-          <a:ext cx="0" cy="0"/>
-          <a:chOff x="0" y="0"/>
-          <a:chExt cx="0" cy="0"/>
-        </a:xfrm>
-      </p:grpSpPr>
-      <p:sp>
-        <p:nvSpPr>
-          <p:cNvPr id="6" name="Rectangle 5">
-            <a:extLst>
-              <a:ext uri="{FF2B5EF4-FFF2-40B4-BE49-F238E27FC236}">
-                <a16:creationId xmlns:a16="http://schemas.microsoft.com/office/drawing/2014/main" id="{D37D031B-712B-8555-69A1-C90099D44F45}"/>
-              </a:ext>
-            </a:extLst>
-          </p:cNvPr>
-          <p:cNvSpPr/>
-          <p:nvPr/>
-        </p:nvSpPr>
-        <p:spPr>
-          <a:xfrm>
-            <a:off x="-1" y="1"/>
-            <a:ext cx="19740283" cy="23344094"/>
-          </a:xfrm>
-          <a:prstGeom prst="rect">
-            <a:avLst/>
-          </a:prstGeom>
-          <a:solidFill>
-            <a:schemeClr val="bg1"/>
-          </a:solidFill>
-          <a:ln>
-            <a:solidFill>
-              <a:schemeClr val="tx1"/>
-            </a:solidFill>
-          </a:ln>
-        </p:spPr>
-        <p:style>
-          <a:lnRef idx="2">
-            <a:schemeClr val="accent1">
-              <a:shade val="15000"/>
-            </a:schemeClr>
-          </a:lnRef>
-          <a:fillRef idx="1">
-            <a:schemeClr val="accent1"/>
-          </a:fillRef>
-          <a:effectRef idx="0">
-            <a:schemeClr val="accent1"/>
-          </a:effectRef>
-          <a:fontRef idx="minor">
-            <a:schemeClr val="lt1"/>
-          </a:fontRef>
-        </p:style>
-        <p:txBody>
-          <a:bodyPr rtlCol="0" anchor="ctr"/>
-          <a:lstStyle/>
-          <a:p>
-            <a:pPr algn="ctr"/>
-            <a:endParaRPr lang="en-US" dirty="0"/>
-          </a:p>
-        </p:txBody>
-      </p:sp>
-      <p:sp>
-        <p:nvSpPr>
-          <p:cNvPr id="7" name="Rectangle 6">
-            <a:extLst>
-              <a:ext uri="{FF2B5EF4-FFF2-40B4-BE49-F238E27FC236}">
-                <a16:creationId xmlns:a16="http://schemas.microsoft.com/office/drawing/2014/main" id="{7DFF9A0F-2744-9215-D950-123ACDDCE7F6}"/>
-              </a:ext>
-            </a:extLst>
-          </p:cNvPr>
-          <p:cNvSpPr/>
-          <p:nvPr/>
-        </p:nvSpPr>
-        <p:spPr>
-          <a:xfrm>
-            <a:off x="19740282" y="-6"/>
-            <a:ext cx="10526993" cy="4328979"/>
-          </a:xfrm>
-          <a:prstGeom prst="rect">
-            <a:avLst/>
-          </a:prstGeom>
-          <a:solidFill>
-            <a:schemeClr val="bg1"/>
-          </a:solidFill>
-          <a:ln>
-            <a:solidFill>
-              <a:schemeClr val="tx1"/>
-            </a:solidFill>
-          </a:ln>
-        </p:spPr>
-        <p:style>
-          <a:lnRef idx="2">
-            <a:schemeClr val="accent1">
-              <a:shade val="15000"/>
-            </a:schemeClr>
-          </a:lnRef>
-          <a:fillRef idx="1">
-            <a:schemeClr val="accent1"/>
-          </a:fillRef>
-          <a:effectRef idx="0">
-            <a:schemeClr val="accent1"/>
-          </a:effectRef>
-          <a:fontRef idx="minor">
-            <a:schemeClr val="lt1"/>
-          </a:fontRef>
-        </p:style>
-        <p:txBody>
-          <a:bodyPr rtlCol="0" anchor="ctr"/>
-          <a:lstStyle/>
-          <a:p>
-            <a:pPr algn="ctr"/>
-            <a:endParaRPr lang="en-US"/>
-          </a:p>
-        </p:txBody>
-      </p:sp>
-      <p:sp>
-        <p:nvSpPr>
-          <p:cNvPr id="8" name="Rectangle 7">
-            <a:extLst>
-              <a:ext uri="{FF2B5EF4-FFF2-40B4-BE49-F238E27FC236}">
-                <a16:creationId xmlns:a16="http://schemas.microsoft.com/office/drawing/2014/main" id="{94D3874F-FA93-79AB-F9DB-C635320EF073}"/>
-              </a:ext>
-            </a:extLst>
-          </p:cNvPr>
-          <p:cNvSpPr/>
-          <p:nvPr/>
-        </p:nvSpPr>
-        <p:spPr>
-          <a:xfrm>
-            <a:off x="19740282" y="4328973"/>
-            <a:ext cx="10526993" cy="19015123"/>
-          </a:xfrm>
-          <a:prstGeom prst="rect">
-            <a:avLst/>
-          </a:prstGeom>
-          <a:solidFill>
-            <a:schemeClr val="bg1"/>
-          </a:solidFill>
-          <a:ln>
-            <a:solidFill>
-              <a:schemeClr val="tx1"/>
-            </a:solidFill>
-          </a:ln>
-        </p:spPr>
-        <p:style>
-          <a:lnRef idx="2">
-            <a:schemeClr val="accent1">
-              <a:shade val="15000"/>
-            </a:schemeClr>
-          </a:lnRef>
-          <a:fillRef idx="1">
-            <a:schemeClr val="accent1"/>
-          </a:fillRef>
-          <a:effectRef idx="0">
-            <a:schemeClr val="accent1"/>
-          </a:effectRef>
-          <a:fontRef idx="minor">
-            <a:schemeClr val="lt1"/>
-          </a:fontRef>
-        </p:style>
-        <p:txBody>
-          <a:bodyPr rtlCol="0" anchor="ctr"/>
-          <a:lstStyle/>
-          <a:p>
-            <a:pPr algn="ctr"/>
-            <a:endParaRPr lang="en-US"/>
-          </a:p>
-        </p:txBody>
-      </p:sp>
-      <p:sp>
-        <p:nvSpPr>
-          <p:cNvPr id="9" name="Rectangle 8">
-            <a:extLst>
-              <a:ext uri="{FF2B5EF4-FFF2-40B4-BE49-F238E27FC236}">
-                <a16:creationId xmlns:a16="http://schemas.microsoft.com/office/drawing/2014/main" id="{109032FB-4075-9B42-B4F2-072ECA0F0362}"/>
-              </a:ext>
-            </a:extLst>
-          </p:cNvPr>
-          <p:cNvSpPr/>
-          <p:nvPr/>
-        </p:nvSpPr>
-        <p:spPr>
-          <a:xfrm>
-            <a:off x="0" y="23344095"/>
-            <a:ext cx="19740282" cy="19450143"/>
-          </a:xfrm>
-          <a:prstGeom prst="rect">
-            <a:avLst/>
-          </a:prstGeom>
-          <a:solidFill>
-            <a:schemeClr val="bg1"/>
-          </a:solidFill>
-          <a:ln>
-            <a:solidFill>
-              <a:schemeClr val="tx1"/>
-            </a:solidFill>
-          </a:ln>
-        </p:spPr>
-        <p:style>
-          <a:lnRef idx="2">
-            <a:schemeClr val="accent1">
-              <a:shade val="15000"/>
-            </a:schemeClr>
-          </a:lnRef>
-          <a:fillRef idx="1">
-            <a:schemeClr val="accent1"/>
-          </a:fillRef>
-          <a:effectRef idx="0">
-            <a:schemeClr val="accent1"/>
-          </a:effectRef>
-          <a:fontRef idx="minor">
-            <a:schemeClr val="lt1"/>
-          </a:fontRef>
-        </p:style>
-        <p:txBody>
-          <a:bodyPr rtlCol="0" anchor="ctr"/>
-          <a:lstStyle/>
-          <a:p>
-            <a:pPr algn="ctr"/>
-            <a:endParaRPr lang="en-US"/>
-          </a:p>
-        </p:txBody>
-      </p:sp>
-      <p:sp>
-        <p:nvSpPr>
-          <p:cNvPr id="10" name="Rectangle 9">
-            <a:extLst>
-              <a:ext uri="{FF2B5EF4-FFF2-40B4-BE49-F238E27FC236}">
-                <a16:creationId xmlns:a16="http://schemas.microsoft.com/office/drawing/2014/main" id="{69BD9FEC-FE72-0883-46E7-513BA13EE7DE}"/>
-              </a:ext>
-            </a:extLst>
-          </p:cNvPr>
-          <p:cNvSpPr/>
-          <p:nvPr/>
-        </p:nvSpPr>
-        <p:spPr>
-          <a:xfrm>
-            <a:off x="19740282" y="23344095"/>
-            <a:ext cx="10526993" cy="19450143"/>
-          </a:xfrm>
-          <a:prstGeom prst="rect">
-            <a:avLst/>
-          </a:prstGeom>
-          <a:solidFill>
-            <a:schemeClr val="bg1"/>
-          </a:solidFill>
-          <a:ln>
-            <a:solidFill>
-              <a:schemeClr val="tx1"/>
-            </a:solidFill>
-          </a:ln>
-        </p:spPr>
-        <p:style>
-          <a:lnRef idx="2">
-            <a:schemeClr val="accent1">
-              <a:shade val="15000"/>
-            </a:schemeClr>
-          </a:lnRef>
-          <a:fillRef idx="1">
-            <a:schemeClr val="accent1"/>
-          </a:fillRef>
-          <a:effectRef idx="0">
-            <a:schemeClr val="accent1"/>
-          </a:effectRef>
-          <a:fontRef idx="minor">
-            <a:schemeClr val="lt1"/>
-          </a:fontRef>
-        </p:style>
-        <p:txBody>
-          <a:bodyPr rtlCol="0" anchor="ctr"/>
-          <a:lstStyle/>
-          <a:p>
-            <a:pPr algn="ctr"/>
-            <a:endParaRPr lang="en-US"/>
-          </a:p>
-        </p:txBody>
-      </p:sp>
-      <p:sp>
-        <p:nvSpPr>
-          <p:cNvPr id="2" name="TextBox 1">
-            <a:extLst>
-              <a:ext uri="{FF2B5EF4-FFF2-40B4-BE49-F238E27FC236}">
-                <a16:creationId xmlns:a16="http://schemas.microsoft.com/office/drawing/2014/main" id="{609B130C-C739-BA0E-1D5D-1293E24E81AF}"/>
-              </a:ext>
-            </a:extLst>
-          </p:cNvPr>
-          <p:cNvSpPr txBox="1"/>
-          <p:nvPr/>
-        </p:nvSpPr>
-        <p:spPr>
-          <a:xfrm>
-            <a:off x="0" y="0"/>
-            <a:ext cx="2965235" cy="1323439"/>
-          </a:xfrm>
-          <a:prstGeom prst="rect">
-            <a:avLst/>
-          </a:prstGeom>
-          <a:noFill/>
-        </p:spPr>
-        <p:txBody>
-          <a:bodyPr wrap="none" rtlCol="0">
-            <a:spAutoFit/>
-          </a:bodyPr>
-          <a:lstStyle/>
-          <a:p>
-            <a:r>
-              <a:rPr lang="en-US" sz="8000" dirty="0"/>
-              <a:t>Layout</a:t>
-            </a:r>
-          </a:p>
-        </p:txBody>
-      </p:sp>
-      <p:sp>
-        <p:nvSpPr>
-          <p:cNvPr id="3" name="TextBox 2">
-            <a:extLst>
-              <a:ext uri="{FF2B5EF4-FFF2-40B4-BE49-F238E27FC236}">
-                <a16:creationId xmlns:a16="http://schemas.microsoft.com/office/drawing/2014/main" id="{D9037737-5569-0B59-0BC1-8A21A196D2FB}"/>
-              </a:ext>
-            </a:extLst>
-          </p:cNvPr>
-          <p:cNvSpPr txBox="1"/>
-          <p:nvPr/>
-        </p:nvSpPr>
-        <p:spPr>
-          <a:xfrm>
-            <a:off x="19740282" y="81656"/>
-            <a:ext cx="2496196" cy="4247317"/>
-          </a:xfrm>
-          <a:prstGeom prst="rect">
-            <a:avLst/>
-          </a:prstGeom>
-          <a:noFill/>
-        </p:spPr>
-        <p:txBody>
-          <a:bodyPr wrap="none" rtlCol="0">
-            <a:spAutoFit/>
-          </a:bodyPr>
-          <a:lstStyle/>
-          <a:p>
-            <a:r>
-              <a:rPr lang="en-US" sz="5400" dirty="0"/>
-              <a:t>Title: </a:t>
-            </a:r>
-          </a:p>
-          <a:p>
-            <a:r>
-              <a:rPr lang="en-US" sz="5400" dirty="0"/>
-              <a:t>Author: </a:t>
-            </a:r>
-          </a:p>
-          <a:p>
-            <a:r>
-              <a:rPr lang="en-US" sz="5400" dirty="0"/>
-              <a:t>Date: </a:t>
-            </a:r>
-          </a:p>
-          <a:p>
-            <a:r>
-              <a:rPr lang="en-US" sz="5400" dirty="0"/>
-              <a:t>Sheet: 5</a:t>
-            </a:r>
-          </a:p>
-          <a:p>
-            <a:r>
-              <a:rPr lang="en-US" sz="5400" dirty="0"/>
-              <a:t>Task: </a:t>
-            </a:r>
-          </a:p>
-        </p:txBody>
-      </p:sp>
-      <p:sp>
-        <p:nvSpPr>
-          <p:cNvPr id="4" name="TextBox 3">
-            <a:extLst>
-              <a:ext uri="{FF2B5EF4-FFF2-40B4-BE49-F238E27FC236}">
-                <a16:creationId xmlns:a16="http://schemas.microsoft.com/office/drawing/2014/main" id="{FF891FC2-DB32-E8CF-28B5-0CC6355B0401}"/>
-              </a:ext>
-            </a:extLst>
-          </p:cNvPr>
-          <p:cNvSpPr txBox="1"/>
-          <p:nvPr/>
-        </p:nvSpPr>
-        <p:spPr>
-          <a:xfrm>
-            <a:off x="19740282" y="4307705"/>
-            <a:ext cx="4791633" cy="1323439"/>
-          </a:xfrm>
-          <a:prstGeom prst="rect">
-            <a:avLst/>
-          </a:prstGeom>
-          <a:noFill/>
-        </p:spPr>
-        <p:txBody>
-          <a:bodyPr wrap="none" rtlCol="0">
-            <a:spAutoFit/>
-          </a:bodyPr>
-          <a:lstStyle/>
-          <a:p>
-            <a:r>
-              <a:rPr lang="en-US" sz="8000" dirty="0"/>
-              <a:t>Operations</a:t>
-            </a:r>
-          </a:p>
-        </p:txBody>
-      </p:sp>
-      <p:sp>
-        <p:nvSpPr>
-          <p:cNvPr id="11" name="TextBox 10">
-            <a:extLst>
-              <a:ext uri="{FF2B5EF4-FFF2-40B4-BE49-F238E27FC236}">
-                <a16:creationId xmlns:a16="http://schemas.microsoft.com/office/drawing/2014/main" id="{8FA2E0BD-0009-04E4-3B2F-1202DBA085D5}"/>
-              </a:ext>
-            </a:extLst>
-          </p:cNvPr>
-          <p:cNvSpPr txBox="1"/>
-          <p:nvPr/>
-        </p:nvSpPr>
-        <p:spPr>
-          <a:xfrm>
-            <a:off x="61557" y="23344094"/>
-            <a:ext cx="2557495" cy="1323439"/>
-          </a:xfrm>
-          <a:prstGeom prst="rect">
-            <a:avLst/>
-          </a:prstGeom>
-          <a:noFill/>
-        </p:spPr>
-        <p:txBody>
-          <a:bodyPr wrap="none" rtlCol="0">
-            <a:spAutoFit/>
-          </a:bodyPr>
-          <a:lstStyle/>
-          <a:p>
-            <a:r>
-              <a:rPr lang="en-US" sz="8000" dirty="0"/>
-              <a:t>Focus</a:t>
-            </a:r>
-          </a:p>
-        </p:txBody>
-      </p:sp>
-      <p:sp>
-        <p:nvSpPr>
-          <p:cNvPr id="12" name="TextBox 11">
-            <a:extLst>
-              <a:ext uri="{FF2B5EF4-FFF2-40B4-BE49-F238E27FC236}">
-                <a16:creationId xmlns:a16="http://schemas.microsoft.com/office/drawing/2014/main" id="{019FA619-E387-4CF9-3CD6-BDBFC0295797}"/>
-              </a:ext>
-            </a:extLst>
-          </p:cNvPr>
-          <p:cNvSpPr txBox="1"/>
-          <p:nvPr/>
-        </p:nvSpPr>
-        <p:spPr>
-          <a:xfrm>
-            <a:off x="19740282" y="23344093"/>
-            <a:ext cx="2614434" cy="1323439"/>
-          </a:xfrm>
-          <a:prstGeom prst="rect">
-            <a:avLst/>
-          </a:prstGeom>
-          <a:noFill/>
-        </p:spPr>
-        <p:txBody>
-          <a:bodyPr wrap="none" rtlCol="0">
-            <a:spAutoFit/>
-          </a:bodyPr>
-          <a:lstStyle/>
-          <a:p>
-            <a:r>
-              <a:rPr lang="en-US" sz="8000" dirty="0"/>
-              <a:t>Detail</a:t>
-            </a:r>
-          </a:p>
-        </p:txBody>
-      </p:sp>
-    </p:spTree>
-    <p:extLst>
-      <p:ext uri="{BB962C8B-B14F-4D97-AF65-F5344CB8AC3E}">
-        <p14:creationId xmlns:p14="http://schemas.microsoft.com/office/powerpoint/2010/main" val="1843006469"/>
+        <p14:creationId xmlns:p14="http://schemas.microsoft.com/office/powerpoint/2010/main" val="1428833616"/>
       </p:ext>
     </p:extLst>
   </p:cSld>
